--- a/Documents/Powerpoints/4.0 Generic Classes and Interfaces.pptx
+++ b/Documents/Powerpoints/4.0 Generic Classes and Interfaces.pptx
@@ -5,31 +5,37 @@
     <p:sldMasterId id="2147483666" r:id="rId1"/>
   </p:sldMasterIdLst>
   <p:notesMasterIdLst>
-    <p:notesMasterId r:id="rId17"/>
+    <p:notesMasterId r:id="rId23"/>
   </p:notesMasterIdLst>
   <p:sldIdLst>
     <p:sldId id="256" r:id="rId2"/>
     <p:sldId id="257" r:id="rId3"/>
-    <p:sldId id="258" r:id="rId4"/>
-    <p:sldId id="259" r:id="rId5"/>
-    <p:sldId id="260" r:id="rId6"/>
-    <p:sldId id="261" r:id="rId7"/>
-    <p:sldId id="262" r:id="rId8"/>
-    <p:sldId id="263" r:id="rId9"/>
-    <p:sldId id="265" r:id="rId10"/>
-    <p:sldId id="266" r:id="rId11"/>
-    <p:sldId id="267" r:id="rId12"/>
-    <p:sldId id="264" r:id="rId13"/>
-    <p:sldId id="268" r:id="rId14"/>
-    <p:sldId id="272" r:id="rId15"/>
-    <p:sldId id="269" r:id="rId16"/>
+    <p:sldId id="273" r:id="rId4"/>
+    <p:sldId id="258" r:id="rId5"/>
+    <p:sldId id="259" r:id="rId6"/>
+    <p:sldId id="260" r:id="rId7"/>
+    <p:sldId id="261" r:id="rId8"/>
+    <p:sldId id="274" r:id="rId9"/>
+    <p:sldId id="275" r:id="rId10"/>
+    <p:sldId id="276" r:id="rId11"/>
+    <p:sldId id="277" r:id="rId12"/>
+    <p:sldId id="262" r:id="rId13"/>
+    <p:sldId id="263" r:id="rId14"/>
+    <p:sldId id="265" r:id="rId15"/>
+    <p:sldId id="266" r:id="rId16"/>
+    <p:sldId id="278" r:id="rId17"/>
+    <p:sldId id="279" r:id="rId18"/>
+    <p:sldId id="280" r:id="rId19"/>
+    <p:sldId id="267" r:id="rId20"/>
+    <p:sldId id="272" r:id="rId21"/>
+    <p:sldId id="281" r:id="rId22"/>
   </p:sldIdLst>
   <p:sldSz cx="9144000" cy="5143500" type="screen16x9"/>
   <p:notesSz cx="6858000" cy="9144000"/>
   <p:embeddedFontLst>
     <p:embeddedFont>
       <p:font typeface="Lustria" panose="020B0604020202020204" charset="0"/>
-      <p:regular r:id="rId18"/>
+      <p:regular r:id="rId24"/>
     </p:embeddedFont>
   </p:embeddedFontLst>
   <p:defaultTextStyle>
@@ -920,6 +926,115 @@
         </p:txBody>
       </p:sp>
     </p:spTree>
+  </p:cSld>
+  <p:clrMapOvr>
+    <a:masterClrMapping/>
+  </p:clrMapOvr>
+</p:notes>
+</file>
+
+<file path=ppt/notesSlides/notesSlide3.xml><?xml version="1.0" encoding="utf-8"?>
+<p:notes xmlns:a="http://schemas.openxmlformats.org/drawingml/2006/main" xmlns:r="http://schemas.openxmlformats.org/officeDocument/2006/relationships" xmlns:p="http://schemas.openxmlformats.org/presentationml/2006/main" showMasterSp="0" showMasterPhAnim="0">
+  <p:cSld>
+    <p:spTree>
+      <p:nvGrpSpPr>
+        <p:cNvPr id="1" name="Shape 150"/>
+        <p:cNvGrpSpPr/>
+        <p:nvPr/>
+      </p:nvGrpSpPr>
+      <p:grpSpPr>
+        <a:xfrm>
+          <a:off x="0" y="0"/>
+          <a:ext cx="0" cy="0"/>
+          <a:chOff x="0" y="0"/>
+          <a:chExt cx="0" cy="0"/>
+        </a:xfrm>
+      </p:grpSpPr>
+      <p:sp>
+        <p:nvSpPr>
+          <p:cNvPr id="151" name="Google Shape;151;g4010ae7b82_0_240:notes"/>
+          <p:cNvSpPr>
+            <a:spLocks noGrp="1" noRot="1" noChangeAspect="1"/>
+          </p:cNvSpPr>
+          <p:nvPr>
+            <p:ph type="sldImg" idx="2"/>
+          </p:nvPr>
+        </p:nvSpPr>
+        <p:spPr>
+          <a:xfrm>
+            <a:off x="381000" y="685800"/>
+            <a:ext cx="6096000" cy="3429000"/>
+          </a:xfrm>
+          <a:custGeom>
+            <a:avLst/>
+            <a:gdLst/>
+            <a:ahLst/>
+            <a:cxnLst/>
+            <a:rect l="0" t="0" r="0" b="0"/>
+            <a:pathLst>
+              <a:path w="120000" h="120000" extrusionOk="0">
+                <a:moveTo>
+                  <a:pt x="0" y="0"/>
+                </a:moveTo>
+                <a:lnTo>
+                  <a:pt x="120000" y="0"/>
+                </a:lnTo>
+                <a:lnTo>
+                  <a:pt x="120000" y="120000"/>
+                </a:lnTo>
+                <a:lnTo>
+                  <a:pt x="0" y="120000"/>
+                </a:lnTo>
+                <a:close/>
+              </a:path>
+            </a:pathLst>
+          </a:custGeom>
+        </p:spPr>
+      </p:sp>
+      <p:sp>
+        <p:nvSpPr>
+          <p:cNvPr id="152" name="Google Shape;152;g4010ae7b82_0_240:notes"/>
+          <p:cNvSpPr txBox="1">
+            <a:spLocks noGrp="1"/>
+          </p:cNvSpPr>
+          <p:nvPr>
+            <p:ph type="body" idx="1"/>
+          </p:nvPr>
+        </p:nvSpPr>
+        <p:spPr>
+          <a:xfrm>
+            <a:off x="685800" y="4343400"/>
+            <a:ext cx="5486400" cy="4114800"/>
+          </a:xfrm>
+          <a:prstGeom prst="rect">
+            <a:avLst/>
+          </a:prstGeom>
+        </p:spPr>
+        <p:txBody>
+          <a:bodyPr spcFirstLastPara="1" wrap="square" lIns="91425" tIns="91425" rIns="91425" bIns="91425" anchor="t" anchorCtr="0">
+            <a:noAutofit/>
+          </a:bodyPr>
+          <a:lstStyle/>
+          <a:p>
+            <a:pPr marL="0" lvl="0" indent="0">
+              <a:spcBef>
+                <a:spcPts val="0"/>
+              </a:spcBef>
+              <a:spcAft>
+                <a:spcPts val="0"/>
+              </a:spcAft>
+              <a:buNone/>
+            </a:pPr>
+            <a:endParaRPr/>
+          </a:p>
+        </p:txBody>
+      </p:sp>
+    </p:spTree>
+    <p:extLst>
+      <p:ext uri="{BB962C8B-B14F-4D97-AF65-F5344CB8AC3E}">
+        <p14:creationId xmlns:p14="http://schemas.microsoft.com/office/powerpoint/2010/main" val="2043460204"/>
+      </p:ext>
+    </p:extLst>
   </p:cSld>
   <p:clrMapOvr>
     <a:masterClrMapping/>
@@ -22938,6 +23053,422 @@
       </p:grpSpPr>
       <p:sp>
         <p:nvSpPr>
+          <p:cNvPr id="2" name="Title 1">
+            <a:extLst>
+              <a:ext uri="{FF2B5EF4-FFF2-40B4-BE49-F238E27FC236}">
+                <a16:creationId xmlns:a16="http://schemas.microsoft.com/office/drawing/2014/main" id="{E01491AA-FF7C-4BB3-B01A-F6649754D2A9}"/>
+              </a:ext>
+            </a:extLst>
+          </p:cNvPr>
+          <p:cNvSpPr>
+            <a:spLocks noGrp="1"/>
+          </p:cNvSpPr>
+          <p:nvPr>
+            <p:ph type="title"/>
+          </p:nvPr>
+        </p:nvSpPr>
+        <p:spPr/>
+        <p:txBody>
+          <a:bodyPr/>
+          <a:lstStyle/>
+          <a:p>
+            <a:r>
+              <a:rPr lang="en-US" dirty="0"/>
+              <a:t>Using </a:t>
+            </a:r>
+            <a:r>
+              <a:rPr lang="en-US" dirty="0" err="1"/>
+              <a:t>enums</a:t>
+            </a:r>
+            <a:r>
+              <a:rPr lang="en-US" dirty="0"/>
+              <a:t> in Dictionaries</a:t>
+            </a:r>
+          </a:p>
+        </p:txBody>
+      </p:sp>
+      <p:pic>
+        <p:nvPicPr>
+          <p:cNvPr id="4" name="Picture 3">
+            <a:extLst>
+              <a:ext uri="{FF2B5EF4-FFF2-40B4-BE49-F238E27FC236}">
+                <a16:creationId xmlns:a16="http://schemas.microsoft.com/office/drawing/2014/main" id="{0C9B2A43-C12A-477A-9ACC-5B9D9C34365D}"/>
+              </a:ext>
+            </a:extLst>
+          </p:cNvPr>
+          <p:cNvPicPr>
+            <a:picLocks noChangeAspect="1"/>
+          </p:cNvPicPr>
+          <p:nvPr/>
+        </p:nvPicPr>
+        <p:blipFill>
+          <a:blip r:embed="rId2"/>
+          <a:stretch>
+            <a:fillRect/>
+          </a:stretch>
+        </p:blipFill>
+        <p:spPr>
+          <a:xfrm>
+            <a:off x="500771" y="1185000"/>
+            <a:ext cx="8134350" cy="3781425"/>
+          </a:xfrm>
+          <a:prstGeom prst="rect">
+            <a:avLst/>
+          </a:prstGeom>
+        </p:spPr>
+      </p:pic>
+    </p:spTree>
+    <p:extLst>
+      <p:ext uri="{BB962C8B-B14F-4D97-AF65-F5344CB8AC3E}">
+        <p14:creationId xmlns:p14="http://schemas.microsoft.com/office/powerpoint/2010/main" val="3878032583"/>
+      </p:ext>
+    </p:extLst>
+  </p:cSld>
+  <p:clrMapOvr>
+    <a:masterClrMapping/>
+  </p:clrMapOvr>
+</p:sld>
+</file>
+
+<file path=ppt/slides/slide11.xml><?xml version="1.0" encoding="utf-8"?>
+<p:sld xmlns:a="http://schemas.openxmlformats.org/drawingml/2006/main" xmlns:r="http://schemas.openxmlformats.org/officeDocument/2006/relationships" xmlns:p="http://schemas.openxmlformats.org/presentationml/2006/main">
+  <p:cSld>
+    <p:spTree>
+      <p:nvGrpSpPr>
+        <p:cNvPr id="1" name=""/>
+        <p:cNvGrpSpPr/>
+        <p:nvPr/>
+      </p:nvGrpSpPr>
+      <p:grpSpPr>
+        <a:xfrm>
+          <a:off x="0" y="0"/>
+          <a:ext cx="0" cy="0"/>
+          <a:chOff x="0" y="0"/>
+          <a:chExt cx="0" cy="0"/>
+        </a:xfrm>
+      </p:grpSpPr>
+      <p:sp>
+        <p:nvSpPr>
+          <p:cNvPr id="2" name="Title 1">
+            <a:extLst>
+              <a:ext uri="{FF2B5EF4-FFF2-40B4-BE49-F238E27FC236}">
+                <a16:creationId xmlns:a16="http://schemas.microsoft.com/office/drawing/2014/main" id="{52A0F033-CC2B-480A-902B-23AD8D741D63}"/>
+              </a:ext>
+            </a:extLst>
+          </p:cNvPr>
+          <p:cNvSpPr>
+            <a:spLocks noGrp="1"/>
+          </p:cNvSpPr>
+          <p:nvPr>
+            <p:ph type="title"/>
+          </p:nvPr>
+        </p:nvSpPr>
+        <p:spPr/>
+        <p:txBody>
+          <a:bodyPr/>
+          <a:lstStyle/>
+          <a:p>
+            <a:r>
+              <a:rPr lang="en-US" dirty="0"/>
+              <a:t>Example, </a:t>
+            </a:r>
+            <a:r>
+              <a:rPr lang="en-US" dirty="0" err="1"/>
+              <a:t>AudioManager</a:t>
+            </a:r>
+            <a:endParaRPr lang="en-US" dirty="0"/>
+          </a:p>
+        </p:txBody>
+      </p:sp>
+      <p:sp>
+        <p:nvSpPr>
+          <p:cNvPr id="3" name="Text Placeholder 2">
+            <a:extLst>
+              <a:ext uri="{FF2B5EF4-FFF2-40B4-BE49-F238E27FC236}">
+                <a16:creationId xmlns:a16="http://schemas.microsoft.com/office/drawing/2014/main" id="{2B91FD39-F588-48AD-B0AB-861FB07159D7}"/>
+              </a:ext>
+            </a:extLst>
+          </p:cNvPr>
+          <p:cNvSpPr>
+            <a:spLocks noGrp="1"/>
+          </p:cNvSpPr>
+          <p:nvPr>
+            <p:ph type="body" idx="1"/>
+          </p:nvPr>
+        </p:nvSpPr>
+        <p:spPr/>
+        <p:txBody>
+          <a:bodyPr/>
+          <a:lstStyle/>
+          <a:p>
+            <a:r>
+              <a:rPr lang="en-US" dirty="0">
+                <a:hlinkClick r:id="rId2"/>
+              </a:rPr>
+              <a:t>https://github.com/darrare/Archive-12-2018/blob/master/Unity/AllUnityWork/Platformer/Platformer/Assets/Scripts/Managers/AudioManager.cs</a:t>
+            </a:r>
+            <a:endParaRPr lang="en-US" dirty="0"/>
+          </a:p>
+          <a:p>
+            <a:endParaRPr lang="en-US" dirty="0"/>
+          </a:p>
+        </p:txBody>
+      </p:sp>
+    </p:spTree>
+    <p:extLst>
+      <p:ext uri="{BB962C8B-B14F-4D97-AF65-F5344CB8AC3E}">
+        <p14:creationId xmlns:p14="http://schemas.microsoft.com/office/powerpoint/2010/main" val="3330785894"/>
+      </p:ext>
+    </p:extLst>
+  </p:cSld>
+  <p:clrMapOvr>
+    <a:masterClrMapping/>
+  </p:clrMapOvr>
+</p:sld>
+</file>
+
+<file path=ppt/slides/slide12.xml><?xml version="1.0" encoding="utf-8"?>
+<p:sld xmlns:a="http://schemas.openxmlformats.org/drawingml/2006/main" xmlns:r="http://schemas.openxmlformats.org/officeDocument/2006/relationships" xmlns:p="http://schemas.openxmlformats.org/presentationml/2006/main">
+  <p:cSld>
+    <p:spTree>
+      <p:nvGrpSpPr>
+        <p:cNvPr id="1" name=""/>
+        <p:cNvGrpSpPr/>
+        <p:nvPr/>
+      </p:nvGrpSpPr>
+      <p:grpSpPr>
+        <a:xfrm>
+          <a:off x="0" y="0"/>
+          <a:ext cx="0" cy="0"/>
+          <a:chOff x="0" y="0"/>
+          <a:chExt cx="0" cy="0"/>
+        </a:xfrm>
+      </p:grpSpPr>
+      <p:sp>
+        <p:nvSpPr>
+          <p:cNvPr id="2" name="Title 1"/>
+          <p:cNvSpPr>
+            <a:spLocks noGrp="1"/>
+          </p:cNvSpPr>
+          <p:nvPr>
+            <p:ph type="title"/>
+          </p:nvPr>
+        </p:nvSpPr>
+        <p:spPr/>
+        <p:txBody>
+          <a:bodyPr/>
+          <a:lstStyle/>
+          <a:p>
+            <a:r>
+              <a:rPr lang="en-US" dirty="0"/>
+              <a:t>Generic Methods</a:t>
+            </a:r>
+          </a:p>
+        </p:txBody>
+      </p:sp>
+      <p:sp>
+        <p:nvSpPr>
+          <p:cNvPr id="3" name="Text Placeholder 2"/>
+          <p:cNvSpPr>
+            <a:spLocks noGrp="1"/>
+          </p:cNvSpPr>
+          <p:nvPr>
+            <p:ph type="body" idx="1"/>
+          </p:nvPr>
+        </p:nvSpPr>
+        <p:spPr/>
+        <p:txBody>
+          <a:bodyPr/>
+          <a:lstStyle/>
+          <a:p>
+            <a:r>
+              <a:rPr lang="en-US" dirty="0"/>
+              <a:t>Instead of writing a method 50 times for 50 different data types, write it once!</a:t>
+            </a:r>
+          </a:p>
+        </p:txBody>
+      </p:sp>
+    </p:spTree>
+    <p:extLst>
+      <p:ext uri="{BB962C8B-B14F-4D97-AF65-F5344CB8AC3E}">
+        <p14:creationId xmlns:p14="http://schemas.microsoft.com/office/powerpoint/2010/main" val="2878092478"/>
+      </p:ext>
+    </p:extLst>
+  </p:cSld>
+  <p:clrMapOvr>
+    <a:masterClrMapping/>
+  </p:clrMapOvr>
+</p:sld>
+</file>
+
+<file path=ppt/slides/slide13.xml><?xml version="1.0" encoding="utf-8"?>
+<p:sld xmlns:a="http://schemas.openxmlformats.org/drawingml/2006/main" xmlns:r="http://schemas.openxmlformats.org/officeDocument/2006/relationships" xmlns:p="http://schemas.openxmlformats.org/presentationml/2006/main">
+  <p:cSld>
+    <p:spTree>
+      <p:nvGrpSpPr>
+        <p:cNvPr id="1" name=""/>
+        <p:cNvGrpSpPr/>
+        <p:nvPr/>
+      </p:nvGrpSpPr>
+      <p:grpSpPr>
+        <a:xfrm>
+          <a:off x="0" y="0"/>
+          <a:ext cx="0" cy="0"/>
+          <a:chOff x="0" y="0"/>
+          <a:chExt cx="0" cy="0"/>
+        </a:xfrm>
+      </p:grpSpPr>
+      <p:pic>
+        <p:nvPicPr>
+          <p:cNvPr id="4" name="Picture 3"/>
+          <p:cNvPicPr>
+            <a:picLocks noChangeAspect="1"/>
+          </p:cNvPicPr>
+          <p:nvPr/>
+        </p:nvPicPr>
+        <p:blipFill>
+          <a:blip r:embed="rId2"/>
+          <a:stretch>
+            <a:fillRect/>
+          </a:stretch>
+        </p:blipFill>
+        <p:spPr>
+          <a:xfrm>
+            <a:off x="1843087" y="185737"/>
+            <a:ext cx="5457825" cy="4772025"/>
+          </a:xfrm>
+          <a:prstGeom prst="rect">
+            <a:avLst/>
+          </a:prstGeom>
+        </p:spPr>
+      </p:pic>
+    </p:spTree>
+    <p:extLst>
+      <p:ext uri="{BB962C8B-B14F-4D97-AF65-F5344CB8AC3E}">
+        <p14:creationId xmlns:p14="http://schemas.microsoft.com/office/powerpoint/2010/main" val="1589420017"/>
+      </p:ext>
+    </p:extLst>
+  </p:cSld>
+  <p:clrMapOvr>
+    <a:masterClrMapping/>
+  </p:clrMapOvr>
+</p:sld>
+</file>
+
+<file path=ppt/slides/slide14.xml><?xml version="1.0" encoding="utf-8"?>
+<p:sld xmlns:a="http://schemas.openxmlformats.org/drawingml/2006/main" xmlns:r="http://schemas.openxmlformats.org/officeDocument/2006/relationships" xmlns:p="http://schemas.openxmlformats.org/presentationml/2006/main">
+  <p:cSld>
+    <p:spTree>
+      <p:nvGrpSpPr>
+        <p:cNvPr id="1" name=""/>
+        <p:cNvGrpSpPr/>
+        <p:nvPr/>
+      </p:nvGrpSpPr>
+      <p:grpSpPr>
+        <a:xfrm>
+          <a:off x="0" y="0"/>
+          <a:ext cx="0" cy="0"/>
+          <a:chOff x="0" y="0"/>
+          <a:chExt cx="0" cy="0"/>
+        </a:xfrm>
+      </p:grpSpPr>
+      <p:sp>
+        <p:nvSpPr>
+          <p:cNvPr id="2" name="Title 1"/>
+          <p:cNvSpPr>
+            <a:spLocks noGrp="1"/>
+          </p:cNvSpPr>
+          <p:nvPr>
+            <p:ph type="title"/>
+          </p:nvPr>
+        </p:nvSpPr>
+        <p:spPr/>
+        <p:txBody>
+          <a:bodyPr/>
+          <a:lstStyle/>
+          <a:p>
+            <a:r>
+              <a:rPr lang="en-US" dirty="0"/>
+              <a:t>Interfaces</a:t>
+            </a:r>
+          </a:p>
+        </p:txBody>
+      </p:sp>
+      <p:sp>
+        <p:nvSpPr>
+          <p:cNvPr id="3" name="Text Placeholder 2"/>
+          <p:cNvSpPr>
+            <a:spLocks noGrp="1"/>
+          </p:cNvSpPr>
+          <p:nvPr>
+            <p:ph type="body" idx="1"/>
+          </p:nvPr>
+        </p:nvSpPr>
+        <p:spPr/>
+        <p:txBody>
+          <a:bodyPr/>
+          <a:lstStyle/>
+          <a:p>
+            <a:r>
+              <a:rPr lang="en-US" dirty="0"/>
+              <a:t>Similar to abstract classes.</a:t>
+            </a:r>
+          </a:p>
+          <a:p>
+            <a:r>
+              <a:rPr lang="en-US" dirty="0"/>
+              <a:t>Forces an object to implement certain behaviors.</a:t>
+            </a:r>
+          </a:p>
+          <a:p>
+            <a:r>
+              <a:rPr lang="en-US" dirty="0"/>
+              <a:t>Creates polymorphism among similar objects.</a:t>
+            </a:r>
+          </a:p>
+          <a:p>
+            <a:r>
+              <a:rPr lang="en-US" dirty="0"/>
+              <a:t>While you can only ever inherit from 1 class, you can inherit from unlimited interfaces.</a:t>
+            </a:r>
+          </a:p>
+          <a:p>
+            <a:endParaRPr lang="en-US" dirty="0"/>
+          </a:p>
+        </p:txBody>
+      </p:sp>
+    </p:spTree>
+    <p:extLst>
+      <p:ext uri="{BB962C8B-B14F-4D97-AF65-F5344CB8AC3E}">
+        <p14:creationId xmlns:p14="http://schemas.microsoft.com/office/powerpoint/2010/main" val="1349266756"/>
+      </p:ext>
+    </p:extLst>
+  </p:cSld>
+  <p:clrMapOvr>
+    <a:masterClrMapping/>
+  </p:clrMapOvr>
+</p:sld>
+</file>
+
+<file path=ppt/slides/slide15.xml><?xml version="1.0" encoding="utf-8"?>
+<p:sld xmlns:a="http://schemas.openxmlformats.org/drawingml/2006/main" xmlns:r="http://schemas.openxmlformats.org/officeDocument/2006/relationships" xmlns:p="http://schemas.openxmlformats.org/presentationml/2006/main">
+  <p:cSld>
+    <p:spTree>
+      <p:nvGrpSpPr>
+        <p:cNvPr id="1" name=""/>
+        <p:cNvGrpSpPr/>
+        <p:nvPr/>
+      </p:nvGrpSpPr>
+      <p:grpSpPr>
+        <a:xfrm>
+          <a:off x="0" y="0"/>
+          <a:ext cx="0" cy="0"/>
+          <a:chOff x="0" y="0"/>
+          <a:chExt cx="0" cy="0"/>
+        </a:xfrm>
+      </p:grpSpPr>
+      <p:sp>
+        <p:nvSpPr>
           <p:cNvPr id="2" name="Title 1"/>
           <p:cNvSpPr>
             <a:spLocks noGrp="1"/>
@@ -23041,7 +23572,395 @@
 </p:sld>
 </file>
 
-<file path=ppt/slides/slide11.xml><?xml version="1.0" encoding="utf-8"?>
+<file path=ppt/slides/slide16.xml><?xml version="1.0" encoding="utf-8"?>
+<p:sld xmlns:a="http://schemas.openxmlformats.org/drawingml/2006/main" xmlns:r="http://schemas.openxmlformats.org/officeDocument/2006/relationships" xmlns:p="http://schemas.openxmlformats.org/presentationml/2006/main">
+  <p:cSld>
+    <p:spTree>
+      <p:nvGrpSpPr>
+        <p:cNvPr id="1" name=""/>
+        <p:cNvGrpSpPr/>
+        <p:nvPr/>
+      </p:nvGrpSpPr>
+      <p:grpSpPr>
+        <a:xfrm>
+          <a:off x="0" y="0"/>
+          <a:ext cx="0" cy="0"/>
+          <a:chOff x="0" y="0"/>
+          <a:chExt cx="0" cy="0"/>
+        </a:xfrm>
+      </p:grpSpPr>
+      <p:sp>
+        <p:nvSpPr>
+          <p:cNvPr id="2" name="Title 1"/>
+          <p:cNvSpPr>
+            <a:spLocks noGrp="1"/>
+          </p:cNvSpPr>
+          <p:nvPr>
+            <p:ph type="title"/>
+          </p:nvPr>
+        </p:nvSpPr>
+        <p:spPr>
+          <a:xfrm>
+            <a:off x="0" y="457200"/>
+            <a:ext cx="5067300" cy="727800"/>
+          </a:xfrm>
+        </p:spPr>
+        <p:txBody>
+          <a:bodyPr/>
+          <a:lstStyle/>
+          <a:p>
+            <a:r>
+              <a:rPr lang="en-US" dirty="0" err="1"/>
+              <a:t>IDisposable</a:t>
+            </a:r>
+            <a:endParaRPr lang="en-US" dirty="0"/>
+          </a:p>
+        </p:txBody>
+      </p:sp>
+      <p:sp>
+        <p:nvSpPr>
+          <p:cNvPr id="3" name="Text Placeholder 2"/>
+          <p:cNvSpPr>
+            <a:spLocks noGrp="1"/>
+          </p:cNvSpPr>
+          <p:nvPr>
+            <p:ph type="body" idx="1"/>
+          </p:nvPr>
+        </p:nvSpPr>
+        <p:spPr>
+          <a:xfrm>
+            <a:off x="0" y="1299338"/>
+            <a:ext cx="5067300" cy="3044100"/>
+          </a:xfrm>
+        </p:spPr>
+        <p:txBody>
+          <a:bodyPr/>
+          <a:lstStyle/>
+          <a:p>
+            <a:r>
+              <a:rPr lang="en-US" dirty="0"/>
+              <a:t>Implemented by </a:t>
+            </a:r>
+            <a:r>
+              <a:rPr lang="en-US" dirty="0" err="1"/>
+              <a:t>StreamReader</a:t>
+            </a:r>
+            <a:r>
+              <a:rPr lang="en-US" dirty="0"/>
+              <a:t> and </a:t>
+            </a:r>
+            <a:r>
+              <a:rPr lang="en-US" dirty="0" err="1"/>
+              <a:t>StreamWriter</a:t>
+            </a:r>
+            <a:r>
+              <a:rPr lang="en-US" dirty="0"/>
+              <a:t>.</a:t>
+            </a:r>
+          </a:p>
+          <a:p>
+            <a:r>
+              <a:rPr lang="en-US" dirty="0"/>
+              <a:t>Allows us to put our structure into a “using” statement.</a:t>
+            </a:r>
+          </a:p>
+        </p:txBody>
+      </p:sp>
+      <p:pic>
+        <p:nvPicPr>
+          <p:cNvPr id="5" name="Picture 4">
+            <a:extLst>
+              <a:ext uri="{FF2B5EF4-FFF2-40B4-BE49-F238E27FC236}">
+                <a16:creationId xmlns:a16="http://schemas.microsoft.com/office/drawing/2014/main" id="{9AC97D24-E215-42E9-A8A9-91B6D87C4732}"/>
+              </a:ext>
+            </a:extLst>
+          </p:cNvPr>
+          <p:cNvPicPr>
+            <a:picLocks noChangeAspect="1"/>
+          </p:cNvPicPr>
+          <p:nvPr/>
+        </p:nvPicPr>
+        <p:blipFill>
+          <a:blip r:embed="rId2"/>
+          <a:stretch>
+            <a:fillRect/>
+          </a:stretch>
+        </p:blipFill>
+        <p:spPr>
+          <a:xfrm>
+            <a:off x="5373895" y="0"/>
+            <a:ext cx="3770105" cy="5143500"/>
+          </a:xfrm>
+          <a:prstGeom prst="rect">
+            <a:avLst/>
+          </a:prstGeom>
+        </p:spPr>
+      </p:pic>
+    </p:spTree>
+    <p:extLst>
+      <p:ext uri="{BB962C8B-B14F-4D97-AF65-F5344CB8AC3E}">
+        <p14:creationId xmlns:p14="http://schemas.microsoft.com/office/powerpoint/2010/main" val="2228674491"/>
+      </p:ext>
+    </p:extLst>
+  </p:cSld>
+  <p:clrMapOvr>
+    <a:masterClrMapping/>
+  </p:clrMapOvr>
+</p:sld>
+</file>
+
+<file path=ppt/slides/slide17.xml><?xml version="1.0" encoding="utf-8"?>
+<p:sld xmlns:a="http://schemas.openxmlformats.org/drawingml/2006/main" xmlns:r="http://schemas.openxmlformats.org/officeDocument/2006/relationships" xmlns:p="http://schemas.openxmlformats.org/presentationml/2006/main">
+  <p:cSld>
+    <p:spTree>
+      <p:nvGrpSpPr>
+        <p:cNvPr id="1" name=""/>
+        <p:cNvGrpSpPr/>
+        <p:nvPr/>
+      </p:nvGrpSpPr>
+      <p:grpSpPr>
+        <a:xfrm>
+          <a:off x="0" y="0"/>
+          <a:ext cx="0" cy="0"/>
+          <a:chOff x="0" y="0"/>
+          <a:chExt cx="0" cy="0"/>
+        </a:xfrm>
+      </p:grpSpPr>
+      <p:sp>
+        <p:nvSpPr>
+          <p:cNvPr id="2" name="Title 1"/>
+          <p:cNvSpPr>
+            <a:spLocks noGrp="1"/>
+          </p:cNvSpPr>
+          <p:nvPr>
+            <p:ph type="title"/>
+          </p:nvPr>
+        </p:nvSpPr>
+        <p:spPr>
+          <a:xfrm>
+            <a:off x="0" y="457200"/>
+            <a:ext cx="5067300" cy="727800"/>
+          </a:xfrm>
+        </p:spPr>
+        <p:txBody>
+          <a:bodyPr/>
+          <a:lstStyle/>
+          <a:p>
+            <a:r>
+              <a:rPr lang="en-US" dirty="0" err="1"/>
+              <a:t>IComparable</a:t>
+            </a:r>
+            <a:r>
+              <a:rPr lang="en-US" dirty="0"/>
+              <a:t>&lt;T&gt;</a:t>
+            </a:r>
+          </a:p>
+        </p:txBody>
+      </p:sp>
+      <p:sp>
+        <p:nvSpPr>
+          <p:cNvPr id="3" name="Text Placeholder 2"/>
+          <p:cNvSpPr>
+            <a:spLocks noGrp="1"/>
+          </p:cNvSpPr>
+          <p:nvPr>
+            <p:ph type="body" idx="1"/>
+          </p:nvPr>
+        </p:nvSpPr>
+        <p:spPr>
+          <a:xfrm>
+            <a:off x="0" y="1299338"/>
+            <a:ext cx="4000500" cy="3044100"/>
+          </a:xfrm>
+        </p:spPr>
+        <p:txBody>
+          <a:bodyPr/>
+          <a:lstStyle/>
+          <a:p>
+            <a:r>
+              <a:rPr lang="en-US" dirty="0"/>
+              <a:t>A generic interface that allows us to compare two of the same object</a:t>
+            </a:r>
+          </a:p>
+        </p:txBody>
+      </p:sp>
+      <p:pic>
+        <p:nvPicPr>
+          <p:cNvPr id="5" name="Picture 4">
+            <a:extLst>
+              <a:ext uri="{FF2B5EF4-FFF2-40B4-BE49-F238E27FC236}">
+                <a16:creationId xmlns:a16="http://schemas.microsoft.com/office/drawing/2014/main" id="{C0BF81AC-906B-4822-B72F-D76A98186741}"/>
+              </a:ext>
+            </a:extLst>
+          </p:cNvPr>
+          <p:cNvPicPr>
+            <a:picLocks noChangeAspect="1"/>
+          </p:cNvPicPr>
+          <p:nvPr/>
+        </p:nvPicPr>
+        <p:blipFill>
+          <a:blip r:embed="rId2"/>
+          <a:stretch>
+            <a:fillRect/>
+          </a:stretch>
+        </p:blipFill>
+        <p:spPr>
+          <a:xfrm>
+            <a:off x="4572000" y="208429"/>
+            <a:ext cx="4501432" cy="4619065"/>
+          </a:xfrm>
+          <a:prstGeom prst="rect">
+            <a:avLst/>
+          </a:prstGeom>
+        </p:spPr>
+      </p:pic>
+    </p:spTree>
+    <p:extLst>
+      <p:ext uri="{BB962C8B-B14F-4D97-AF65-F5344CB8AC3E}">
+        <p14:creationId xmlns:p14="http://schemas.microsoft.com/office/powerpoint/2010/main" val="423586031"/>
+      </p:ext>
+    </p:extLst>
+  </p:cSld>
+  <p:clrMapOvr>
+    <a:masterClrMapping/>
+  </p:clrMapOvr>
+</p:sld>
+</file>
+
+<file path=ppt/slides/slide18.xml><?xml version="1.0" encoding="utf-8"?>
+<p:sld xmlns:a="http://schemas.openxmlformats.org/drawingml/2006/main" xmlns:r="http://schemas.openxmlformats.org/officeDocument/2006/relationships" xmlns:p="http://schemas.openxmlformats.org/presentationml/2006/main">
+  <p:cSld>
+    <p:spTree>
+      <p:nvGrpSpPr>
+        <p:cNvPr id="1" name=""/>
+        <p:cNvGrpSpPr/>
+        <p:nvPr/>
+      </p:nvGrpSpPr>
+      <p:grpSpPr>
+        <a:xfrm>
+          <a:off x="0" y="0"/>
+          <a:ext cx="0" cy="0"/>
+          <a:chOff x="0" y="0"/>
+          <a:chExt cx="0" cy="0"/>
+        </a:xfrm>
+      </p:grpSpPr>
+      <p:sp>
+        <p:nvSpPr>
+          <p:cNvPr id="2" name="Title 1"/>
+          <p:cNvSpPr>
+            <a:spLocks noGrp="1"/>
+          </p:cNvSpPr>
+          <p:nvPr>
+            <p:ph type="title"/>
+          </p:nvPr>
+        </p:nvSpPr>
+        <p:spPr>
+          <a:xfrm>
+            <a:off x="0" y="457200"/>
+            <a:ext cx="5067300" cy="727800"/>
+          </a:xfrm>
+        </p:spPr>
+        <p:txBody>
+          <a:bodyPr/>
+          <a:lstStyle/>
+          <a:p>
+            <a:r>
+              <a:rPr lang="en-US" dirty="0" err="1"/>
+              <a:t>IComparable</a:t>
+            </a:r>
+            <a:r>
+              <a:rPr lang="en-US" dirty="0"/>
+              <a:t>&lt;T&gt;</a:t>
+            </a:r>
+            <a:br>
+              <a:rPr lang="en-US" dirty="0"/>
+            </a:br>
+            <a:r>
+              <a:rPr lang="en-US" dirty="0"/>
+              <a:t>extended</a:t>
+            </a:r>
+          </a:p>
+        </p:txBody>
+      </p:sp>
+      <p:sp>
+        <p:nvSpPr>
+          <p:cNvPr id="3" name="Text Placeholder 2"/>
+          <p:cNvSpPr>
+            <a:spLocks noGrp="1"/>
+          </p:cNvSpPr>
+          <p:nvPr>
+            <p:ph type="body" idx="1"/>
+          </p:nvPr>
+        </p:nvSpPr>
+        <p:spPr>
+          <a:xfrm>
+            <a:off x="70568" y="1924626"/>
+            <a:ext cx="4000500" cy="3044100"/>
+          </a:xfrm>
+        </p:spPr>
+        <p:txBody>
+          <a:bodyPr/>
+          <a:lstStyle/>
+          <a:p>
+            <a:r>
+              <a:rPr lang="en-US" dirty="0"/>
+              <a:t>The ability to call .</a:t>
+            </a:r>
+            <a:r>
+              <a:rPr lang="en-US" dirty="0" err="1"/>
+              <a:t>CompareTo</a:t>
+            </a:r>
+            <a:r>
+              <a:rPr lang="en-US" dirty="0"/>
+              <a:t>() is nice and all, but the default operators will be much more easy to read and usable.</a:t>
+            </a:r>
+          </a:p>
+        </p:txBody>
+      </p:sp>
+      <p:pic>
+        <p:nvPicPr>
+          <p:cNvPr id="4" name="Picture 3">
+            <a:extLst>
+              <a:ext uri="{FF2B5EF4-FFF2-40B4-BE49-F238E27FC236}">
+                <a16:creationId xmlns:a16="http://schemas.microsoft.com/office/drawing/2014/main" id="{ADEDA191-F768-40ED-BD34-3AC925CF705F}"/>
+              </a:ext>
+            </a:extLst>
+          </p:cNvPr>
+          <p:cNvPicPr>
+            <a:picLocks noChangeAspect="1"/>
+          </p:cNvPicPr>
+          <p:nvPr/>
+        </p:nvPicPr>
+        <p:blipFill>
+          <a:blip r:embed="rId2"/>
+          <a:stretch>
+            <a:fillRect/>
+          </a:stretch>
+        </p:blipFill>
+        <p:spPr>
+          <a:xfrm>
+            <a:off x="4903967" y="0"/>
+            <a:ext cx="4240033" cy="5143500"/>
+          </a:xfrm>
+          <a:prstGeom prst="rect">
+            <a:avLst/>
+          </a:prstGeom>
+        </p:spPr>
+      </p:pic>
+    </p:spTree>
+    <p:extLst>
+      <p:ext uri="{BB962C8B-B14F-4D97-AF65-F5344CB8AC3E}">
+        <p14:creationId xmlns:p14="http://schemas.microsoft.com/office/powerpoint/2010/main" val="2063999216"/>
+      </p:ext>
+    </p:extLst>
+  </p:cSld>
+  <p:clrMapOvr>
+    <a:masterClrMapping/>
+  </p:clrMapOvr>
+</p:sld>
+</file>
+
+<file path=ppt/slides/slide19.xml><?xml version="1.0" encoding="utf-8"?>
 <p:sld xmlns:a="http://schemas.openxmlformats.org/drawingml/2006/main" xmlns:r="http://schemas.openxmlformats.org/officeDocument/2006/relationships" xmlns:p="http://schemas.openxmlformats.org/presentationml/2006/main">
   <p:cSld>
     <p:spTree>
@@ -23075,7 +23994,7 @@
           <a:p>
             <a:r>
               <a:rPr lang="en-US" dirty="0"/>
-              <a:t>Custom interfaces</a:t>
+              <a:t>Custom Interfaces</a:t>
             </a:r>
           </a:p>
         </p:txBody>
@@ -23163,12 +24082,12 @@
 </p:sld>
 </file>
 
-<file path=ppt/slides/slide12.xml><?xml version="1.0" encoding="utf-8"?>
+<file path=ppt/slides/slide2.xml><?xml version="1.0" encoding="utf-8"?>
 <p:sld xmlns:a="http://schemas.openxmlformats.org/drawingml/2006/main" xmlns:r="http://schemas.openxmlformats.org/officeDocument/2006/relationships" xmlns:p="http://schemas.openxmlformats.org/presentationml/2006/main">
   <p:cSld>
     <p:spTree>
       <p:nvGrpSpPr>
-        <p:cNvPr id="1" name=""/>
+        <p:cNvPr id="1" name="Shape 153"/>
         <p:cNvGrpSpPr/>
         <p:nvPr/>
       </p:nvGrpSpPr>
@@ -23182,29 +24101,45 @@
       </p:grpSpPr>
       <p:sp>
         <p:nvSpPr>
-          <p:cNvPr id="2" name="Title 1"/>
-          <p:cNvSpPr>
+          <p:cNvPr id="154" name="Google Shape;154;p21"/>
+          <p:cNvSpPr txBox="1">
             <a:spLocks noGrp="1"/>
           </p:cNvSpPr>
           <p:nvPr>
             <p:ph type="title"/>
           </p:nvPr>
         </p:nvSpPr>
-        <p:spPr/>
+        <p:spPr>
+          <a:prstGeom prst="rect">
+            <a:avLst/>
+          </a:prstGeom>
+        </p:spPr>
         <p:txBody>
-          <a:bodyPr/>
+          <a:bodyPr spcFirstLastPara="1" wrap="square" lIns="91425" tIns="45700" rIns="91425" bIns="45700" anchor="ctr" anchorCtr="0">
+            <a:noAutofit/>
+          </a:bodyPr>
           <a:lstStyle/>
           <a:p>
+            <a:pPr marL="0" lvl="0" indent="0">
+              <a:spcBef>
+                <a:spcPts val="0"/>
+              </a:spcBef>
+              <a:spcAft>
+                <a:spcPts val="0"/>
+              </a:spcAft>
+              <a:buNone/>
+            </a:pPr>
             <a:r>
-              <a:rPr lang="en-US" dirty="0"/>
-              <a:t>Example</a:t>
+              <a:rPr lang="en" dirty="0"/>
+              <a:t>What is generic?</a:t>
             </a:r>
+            <a:endParaRPr dirty="0"/>
           </a:p>
         </p:txBody>
       </p:sp>
       <p:sp>
         <p:nvSpPr>
-          <p:cNvPr id="3" name="Text Placeholder 2"/>
+          <p:cNvPr id="2" name="Text Placeholder 1"/>
           <p:cNvSpPr>
             <a:spLocks noGrp="1"/>
           </p:cNvSpPr>
@@ -23219,36 +24154,18 @@
           <a:p>
             <a:r>
               <a:rPr lang="en-US" dirty="0"/>
-              <a:t>Utilities class.</a:t>
+              <a:t>A class or method that doesn’t care what data type it is comprised of.</a:t>
             </a:r>
           </a:p>
           <a:p>
-            <a:pPr lvl="1"/>
             <a:r>
               <a:rPr lang="en-US" dirty="0"/>
-              <a:t>Contains lots of functions that are used regularly throughout your program.</a:t>
+              <a:t>At compile time, the compiler will create every necessary class type for you.</a:t>
             </a:r>
-          </a:p>
-          <a:p>
-            <a:pPr lvl="1"/>
-            <a:r>
-              <a:rPr lang="en-US" dirty="0"/>
-              <a:t>Example: Print method for anything inheriting from </a:t>
-            </a:r>
-            <a:r>
-              <a:rPr lang="en-US" dirty="0" err="1"/>
-              <a:t>IEnumerable</a:t>
-            </a:r>
-            <a:endParaRPr lang="en-US" dirty="0"/>
           </a:p>
         </p:txBody>
       </p:sp>
     </p:spTree>
-    <p:extLst>
-      <p:ext uri="{BB962C8B-B14F-4D97-AF65-F5344CB8AC3E}">
-        <p14:creationId xmlns:p14="http://schemas.microsoft.com/office/powerpoint/2010/main" val="706618564"/>
-      </p:ext>
-    </p:extLst>
   </p:cSld>
   <p:clrMapOvr>
     <a:masterClrMapping/>
@@ -23256,61 +24173,7 @@
 </p:sld>
 </file>
 
-<file path=ppt/slides/slide13.xml><?xml version="1.0" encoding="utf-8"?>
-<p:sld xmlns:a="http://schemas.openxmlformats.org/drawingml/2006/main" xmlns:r="http://schemas.openxmlformats.org/officeDocument/2006/relationships" xmlns:p="http://schemas.openxmlformats.org/presentationml/2006/main">
-  <p:cSld>
-    <p:spTree>
-      <p:nvGrpSpPr>
-        <p:cNvPr id="1" name=""/>
-        <p:cNvGrpSpPr/>
-        <p:nvPr/>
-      </p:nvGrpSpPr>
-      <p:grpSpPr>
-        <a:xfrm>
-          <a:off x="0" y="0"/>
-          <a:ext cx="0" cy="0"/>
-          <a:chOff x="0" y="0"/>
-          <a:chExt cx="0" cy="0"/>
-        </a:xfrm>
-      </p:grpSpPr>
-      <p:pic>
-        <p:nvPicPr>
-          <p:cNvPr id="4" name="Picture 3"/>
-          <p:cNvPicPr>
-            <a:picLocks noChangeAspect="1"/>
-          </p:cNvPicPr>
-          <p:nvPr/>
-        </p:nvPicPr>
-        <p:blipFill>
-          <a:blip r:embed="rId2"/>
-          <a:stretch>
-            <a:fillRect/>
-          </a:stretch>
-        </p:blipFill>
-        <p:spPr>
-          <a:xfrm>
-            <a:off x="683173" y="261657"/>
-            <a:ext cx="7920037" cy="4675413"/>
-          </a:xfrm>
-          <a:prstGeom prst="rect">
-            <a:avLst/>
-          </a:prstGeom>
-        </p:spPr>
-      </p:pic>
-    </p:spTree>
-    <p:extLst>
-      <p:ext uri="{BB962C8B-B14F-4D97-AF65-F5344CB8AC3E}">
-        <p14:creationId xmlns:p14="http://schemas.microsoft.com/office/powerpoint/2010/main" val="3513941282"/>
-      </p:ext>
-    </p:extLst>
-  </p:cSld>
-  <p:clrMapOvr>
-    <a:masterClrMapping/>
-  </p:clrMapOvr>
-</p:sld>
-</file>
-
-<file path=ppt/slides/slide14.xml><?xml version="1.0" encoding="utf-8"?>
+<file path=ppt/slides/slide20.xml><?xml version="1.0" encoding="utf-8"?>
 <p:sld xmlns:a="http://schemas.openxmlformats.org/drawingml/2006/main" xmlns:r="http://schemas.openxmlformats.org/officeDocument/2006/relationships" xmlns:p="http://schemas.openxmlformats.org/presentationml/2006/main">
   <p:cSld>
     <p:spTree>
@@ -23426,7 +24289,7 @@
 </p:sld>
 </file>
 
-<file path=ppt/slides/slide15.xml><?xml version="1.0" encoding="utf-8"?>
+<file path=ppt/slides/slide21.xml><?xml version="1.0" encoding="utf-8"?>
 <p:sld xmlns:a="http://schemas.openxmlformats.org/drawingml/2006/main" xmlns:r="http://schemas.openxmlformats.org/officeDocument/2006/relationships" xmlns:p="http://schemas.openxmlformats.org/presentationml/2006/main">
   <p:cSld>
     <p:spTree>
@@ -23445,7 +24308,13 @@
       </p:grpSpPr>
       <p:sp>
         <p:nvSpPr>
-          <p:cNvPr id="2" name="Title 1"/>
+          <p:cNvPr id="2" name="Title 1">
+            <a:extLst>
+              <a:ext uri="{FF2B5EF4-FFF2-40B4-BE49-F238E27FC236}">
+                <a16:creationId xmlns:a16="http://schemas.microsoft.com/office/drawing/2014/main" id="{D6DC41B2-2D1F-458F-A362-14B800745995}"/>
+              </a:ext>
+            </a:extLst>
+          </p:cNvPr>
           <p:cNvSpPr>
             <a:spLocks noGrp="1"/>
           </p:cNvSpPr>
@@ -23460,14 +24329,20 @@
           <a:p>
             <a:r>
               <a:rPr lang="en-US" dirty="0"/>
-              <a:t>Real world example</a:t>
+              <a:t>Lab – Binary Tree</a:t>
             </a:r>
           </a:p>
         </p:txBody>
       </p:sp>
       <p:sp>
         <p:nvSpPr>
-          <p:cNvPr id="3" name="Text Placeholder 2"/>
+          <p:cNvPr id="3" name="Text Placeholder 2">
+            <a:extLst>
+              <a:ext uri="{FF2B5EF4-FFF2-40B4-BE49-F238E27FC236}">
+                <a16:creationId xmlns:a16="http://schemas.microsoft.com/office/drawing/2014/main" id="{9C06F52E-469E-4A5D-8A76-A24028CCF57D}"/>
+              </a:ext>
+            </a:extLst>
+          </p:cNvPr>
           <p:cNvSpPr>
             <a:spLocks noGrp="1"/>
           </p:cNvSpPr>
@@ -23482,27 +24357,42 @@
           <a:p>
             <a:r>
               <a:rPr lang="en-US" dirty="0"/>
-              <a:t>Demo of thesis</a:t>
+              <a:t>On Canvas, there is a project download that contains a simple binary tree that considers only integers.</a:t>
             </a:r>
           </a:p>
           <a:p>
             <a:r>
-              <a:rPr lang="en-US" dirty="0">
-                <a:hlinkClick r:id="rId2"/>
-              </a:rPr>
-              <a:t>https://github.com/darrare/MS-Thesis</a:t>
+              <a:rPr lang="en-US" dirty="0"/>
+              <a:t>Your goal is to modify it to do the following:</a:t>
             </a:r>
-            <a:endParaRPr lang="en-US" dirty="0"/>
           </a:p>
           <a:p>
-            <a:endParaRPr lang="en-US" dirty="0"/>
+            <a:pPr lvl="1"/>
+            <a:r>
+              <a:rPr lang="en-US" dirty="0"/>
+              <a:t>Accept any object type.</a:t>
+            </a:r>
+          </a:p>
+          <a:p>
+            <a:pPr lvl="1"/>
+            <a:r>
+              <a:rPr lang="en-US" dirty="0"/>
+              <a:t>Remain a sorted binary tree (not balanced, just sorted)</a:t>
+            </a:r>
+          </a:p>
+          <a:p>
+            <a:pPr lvl="1"/>
+            <a:r>
+              <a:rPr lang="en-US" dirty="0"/>
+              <a:t>Allow the developers to iterate through the tree with foreach</a:t>
+            </a:r>
           </a:p>
         </p:txBody>
       </p:sp>
     </p:spTree>
     <p:extLst>
       <p:ext uri="{BB962C8B-B14F-4D97-AF65-F5344CB8AC3E}">
-        <p14:creationId xmlns:p14="http://schemas.microsoft.com/office/powerpoint/2010/main" val="4266499109"/>
+        <p14:creationId xmlns:p14="http://schemas.microsoft.com/office/powerpoint/2010/main" val="3941351726"/>
       </p:ext>
     </p:extLst>
   </p:cSld>
@@ -23512,7 +24402,7 @@
 </p:sld>
 </file>
 
-<file path=ppt/slides/slide2.xml><?xml version="1.0" encoding="utf-8"?>
+<file path=ppt/slides/slide3.xml><?xml version="1.0" encoding="utf-8"?>
 <p:sld xmlns:a="http://schemas.openxmlformats.org/drawingml/2006/main" xmlns:r="http://schemas.openxmlformats.org/officeDocument/2006/relationships" xmlns:p="http://schemas.openxmlformats.org/presentationml/2006/main">
   <p:cSld>
     <p:spTree>
@@ -23560,8 +24450,8 @@
               <a:buNone/>
             </a:pPr>
             <a:r>
-              <a:rPr lang="en" dirty="0"/>
-              <a:t>What is generic?</a:t>
+              <a:rPr lang="en-US" dirty="0"/>
+              <a:t>Why did C# add generics?</a:t>
             </a:r>
             <a:endParaRPr dirty="0"/>
           </a:p>
@@ -23584,18 +24474,23 @@
           <a:p>
             <a:r>
               <a:rPr lang="en-US" dirty="0"/>
-              <a:t>A class or method that doesn’t care what data type it is comprised of.</a:t>
+              <a:t>In the past, developers would have to convert their data types into the “object” data type for insertion and storage, and would then cast back to their type upon retrieval for usage.</a:t>
             </a:r>
           </a:p>
           <a:p>
             <a:r>
               <a:rPr lang="en-US" dirty="0"/>
-              <a:t>At compile time, the compiler will create every necessary class type for you.</a:t>
+              <a:t>Generics in C# prevent this ugly situation and make it much easier to read and understand.</a:t>
             </a:r>
           </a:p>
         </p:txBody>
       </p:sp>
     </p:spTree>
+    <p:extLst>
+      <p:ext uri="{BB962C8B-B14F-4D97-AF65-F5344CB8AC3E}">
+        <p14:creationId xmlns:p14="http://schemas.microsoft.com/office/powerpoint/2010/main" val="2500987900"/>
+      </p:ext>
+    </p:extLst>
   </p:cSld>
   <p:clrMapOvr>
     <a:masterClrMapping/>
@@ -23603,7 +24498,7 @@
 </p:sld>
 </file>
 
-<file path=ppt/slides/slide3.xml><?xml version="1.0" encoding="utf-8"?>
+<file path=ppt/slides/slide4.xml><?xml version="1.0" encoding="utf-8"?>
 <p:sld xmlns:a="http://schemas.openxmlformats.org/drawingml/2006/main" xmlns:r="http://schemas.openxmlformats.org/officeDocument/2006/relationships" xmlns:p="http://schemas.openxmlformats.org/presentationml/2006/main">
   <p:cSld>
     <p:spTree>
@@ -23698,7 +24593,7 @@
 </p:sld>
 </file>
 
-<file path=ppt/slides/slide4.xml><?xml version="1.0" encoding="utf-8"?>
+<file path=ppt/slides/slide5.xml><?xml version="1.0" encoding="utf-8"?>
 <p:sld xmlns:a="http://schemas.openxmlformats.org/drawingml/2006/main" xmlns:r="http://schemas.openxmlformats.org/officeDocument/2006/relationships" xmlns:p="http://schemas.openxmlformats.org/presentationml/2006/main">
   <p:cSld>
     <p:spTree>
@@ -23774,7 +24669,7 @@
 </p:sld>
 </file>
 
-<file path=ppt/slides/slide5.xml><?xml version="1.0" encoding="utf-8"?>
+<file path=ppt/slides/slide6.xml><?xml version="1.0" encoding="utf-8"?>
 <p:sld xmlns:a="http://schemas.openxmlformats.org/drawingml/2006/main" xmlns:r="http://schemas.openxmlformats.org/officeDocument/2006/relationships" xmlns:p="http://schemas.openxmlformats.org/presentationml/2006/main">
   <p:cSld>
     <p:spTree>
@@ -23869,7 +24764,7 @@
 </p:sld>
 </file>
 
-<file path=ppt/slides/slide6.xml><?xml version="1.0" encoding="utf-8"?>
+<file path=ppt/slides/slide7.xml><?xml version="1.0" encoding="utf-8"?>
 <p:sld xmlns:a="http://schemas.openxmlformats.org/drawingml/2006/main" xmlns:r="http://schemas.openxmlformats.org/officeDocument/2006/relationships" xmlns:p="http://schemas.openxmlformats.org/presentationml/2006/main">
   <p:cSld>
     <p:spTree>
@@ -23945,7 +24840,7 @@
 </p:sld>
 </file>
 
-<file path=ppt/slides/slide7.xml><?xml version="1.0" encoding="utf-8"?>
+<file path=ppt/slides/slide8.xml><?xml version="1.0" encoding="utf-8"?>
 <p:sld xmlns:a="http://schemas.openxmlformats.org/drawingml/2006/main" xmlns:r="http://schemas.openxmlformats.org/officeDocument/2006/relationships" xmlns:p="http://schemas.openxmlformats.org/presentationml/2006/main">
   <p:cSld>
     <p:spTree>
@@ -23964,7 +24859,13 @@
       </p:grpSpPr>
       <p:sp>
         <p:nvSpPr>
-          <p:cNvPr id="2" name="Title 1"/>
+          <p:cNvPr id="2" name="Title 1">
+            <a:extLst>
+              <a:ext uri="{FF2B5EF4-FFF2-40B4-BE49-F238E27FC236}">
+                <a16:creationId xmlns:a16="http://schemas.microsoft.com/office/drawing/2014/main" id="{7A11FFA5-01CB-4FA2-8282-F0C3D3B30B0F}"/>
+              </a:ext>
+            </a:extLst>
+          </p:cNvPr>
           <p:cNvSpPr>
             <a:spLocks noGrp="1"/>
           </p:cNvSpPr>
@@ -23979,14 +24880,20 @@
           <a:p>
             <a:r>
               <a:rPr lang="en-US" dirty="0"/>
-              <a:t>Generic Methods</a:t>
+              <a:t>Generics with multiple types</a:t>
             </a:r>
           </a:p>
         </p:txBody>
       </p:sp>
       <p:sp>
         <p:nvSpPr>
-          <p:cNvPr id="3" name="Text Placeholder 2"/>
+          <p:cNvPr id="3" name="Text Placeholder 2">
+            <a:extLst>
+              <a:ext uri="{FF2B5EF4-FFF2-40B4-BE49-F238E27FC236}">
+                <a16:creationId xmlns:a16="http://schemas.microsoft.com/office/drawing/2014/main" id="{C1A70832-66A2-409B-A8C5-F0424B3FF1D0}"/>
+              </a:ext>
+            </a:extLst>
+          </p:cNvPr>
           <p:cNvSpPr>
             <a:spLocks noGrp="1"/>
           </p:cNvSpPr>
@@ -23994,51 +24901,32 @@
             <p:ph type="body" idx="1"/>
           </p:nvPr>
         </p:nvSpPr>
-        <p:spPr/>
+        <p:spPr>
+          <a:xfrm>
+            <a:off x="0" y="1299338"/>
+            <a:ext cx="3536576" cy="3044100"/>
+          </a:xfrm>
+        </p:spPr>
         <p:txBody>
           <a:bodyPr/>
           <a:lstStyle/>
           <a:p>
             <a:r>
               <a:rPr lang="en-US" dirty="0"/>
-              <a:t>Instead of writing a method 50 times for 50 different data types, write it once!</a:t>
+              <a:t>Ties two data structures together in a meaningful way.</a:t>
             </a:r>
           </a:p>
         </p:txBody>
       </p:sp>
-    </p:spTree>
-    <p:extLst>
-      <p:ext uri="{BB962C8B-B14F-4D97-AF65-F5344CB8AC3E}">
-        <p14:creationId xmlns:p14="http://schemas.microsoft.com/office/powerpoint/2010/main" val="2878092478"/>
-      </p:ext>
-    </p:extLst>
-  </p:cSld>
-  <p:clrMapOvr>
-    <a:masterClrMapping/>
-  </p:clrMapOvr>
-</p:sld>
-</file>
-
-<file path=ppt/slides/slide8.xml><?xml version="1.0" encoding="utf-8"?>
-<p:sld xmlns:a="http://schemas.openxmlformats.org/drawingml/2006/main" xmlns:r="http://schemas.openxmlformats.org/officeDocument/2006/relationships" xmlns:p="http://schemas.openxmlformats.org/presentationml/2006/main">
-  <p:cSld>
-    <p:spTree>
-      <p:nvGrpSpPr>
-        <p:cNvPr id="1" name=""/>
-        <p:cNvGrpSpPr/>
-        <p:nvPr/>
-      </p:nvGrpSpPr>
-      <p:grpSpPr>
-        <a:xfrm>
-          <a:off x="0" y="0"/>
-          <a:ext cx="0" cy="0"/>
-          <a:chOff x="0" y="0"/>
-          <a:chExt cx="0" cy="0"/>
-        </a:xfrm>
-      </p:grpSpPr>
       <p:pic>
         <p:nvPicPr>
-          <p:cNvPr id="4" name="Picture 3"/>
+          <p:cNvPr id="4" name="Picture 3">
+            <a:extLst>
+              <a:ext uri="{FF2B5EF4-FFF2-40B4-BE49-F238E27FC236}">
+                <a16:creationId xmlns:a16="http://schemas.microsoft.com/office/drawing/2014/main" id="{252B6BE7-6C9B-4EA4-8773-58C60AF390B3}"/>
+              </a:ext>
+            </a:extLst>
+          </p:cNvPr>
           <p:cNvPicPr>
             <a:picLocks noChangeAspect="1"/>
           </p:cNvPicPr>
@@ -24052,8 +24940,8 @@
         </p:blipFill>
         <p:spPr>
           <a:xfrm>
-            <a:off x="1843087" y="185737"/>
-            <a:ext cx="5457825" cy="4772025"/>
+            <a:off x="3759574" y="1391771"/>
+            <a:ext cx="5196304" cy="3227601"/>
           </a:xfrm>
           <a:prstGeom prst="rect">
             <a:avLst/>
@@ -24063,7 +24951,7 @@
     </p:spTree>
     <p:extLst>
       <p:ext uri="{BB962C8B-B14F-4D97-AF65-F5344CB8AC3E}">
-        <p14:creationId xmlns:p14="http://schemas.microsoft.com/office/powerpoint/2010/main" val="1589420017"/>
+        <p14:creationId xmlns:p14="http://schemas.microsoft.com/office/powerpoint/2010/main" val="2341968819"/>
       </p:ext>
     </p:extLst>
   </p:cSld>
@@ -24092,7 +24980,13 @@
       </p:grpSpPr>
       <p:sp>
         <p:nvSpPr>
-          <p:cNvPr id="2" name="Title 1"/>
+          <p:cNvPr id="2" name="Title 1">
+            <a:extLst>
+              <a:ext uri="{FF2B5EF4-FFF2-40B4-BE49-F238E27FC236}">
+                <a16:creationId xmlns:a16="http://schemas.microsoft.com/office/drawing/2014/main" id="{0F65FD33-92C0-4689-8F9C-9226BF655F21}"/>
+              </a:ext>
+            </a:extLst>
+          </p:cNvPr>
           <p:cNvSpPr>
             <a:spLocks noGrp="1"/>
           </p:cNvSpPr>
@@ -24106,59 +25000,50 @@
           <a:lstStyle/>
           <a:p>
             <a:r>
+              <a:rPr lang="en-US" dirty="0" err="1"/>
+              <a:t>KeyValuePair</a:t>
+            </a:r>
+            <a:r>
               <a:rPr lang="en-US" dirty="0"/>
-              <a:t>Interfaces</a:t>
+              <a:t>&lt;Key, Value&gt;</a:t>
             </a:r>
           </a:p>
         </p:txBody>
       </p:sp>
-      <p:sp>
-        <p:nvSpPr>
-          <p:cNvPr id="3" name="Text Placeholder 2"/>
-          <p:cNvSpPr>
-            <a:spLocks noGrp="1"/>
-          </p:cNvSpPr>
-          <p:nvPr>
-            <p:ph type="body" idx="1"/>
-          </p:nvPr>
-        </p:nvSpPr>
-        <p:spPr/>
-        <p:txBody>
-          <a:bodyPr/>
-          <a:lstStyle/>
-          <a:p>
-            <a:r>
-              <a:rPr lang="en-US" dirty="0"/>
-              <a:t>Similar to abstract classes.</a:t>
-            </a:r>
-          </a:p>
-          <a:p>
-            <a:r>
-              <a:rPr lang="en-US" dirty="0"/>
-              <a:t>Forces an object to implement certain behaviors.</a:t>
-            </a:r>
-          </a:p>
-          <a:p>
-            <a:r>
-              <a:rPr lang="en-US" dirty="0"/>
-              <a:t>Creates polymorphism among similar objects.</a:t>
-            </a:r>
-          </a:p>
-          <a:p>
-            <a:r>
-              <a:rPr lang="en-US" dirty="0"/>
-              <a:t>While you can only ever inherit from 1 class, you can inherit from unlimited interfaces.</a:t>
-            </a:r>
-          </a:p>
-          <a:p>
-            <a:endParaRPr lang="en-US" dirty="0"/>
-          </a:p>
-        </p:txBody>
-      </p:sp>
+      <p:pic>
+        <p:nvPicPr>
+          <p:cNvPr id="4" name="Picture 3">
+            <a:extLst>
+              <a:ext uri="{FF2B5EF4-FFF2-40B4-BE49-F238E27FC236}">
+                <a16:creationId xmlns:a16="http://schemas.microsoft.com/office/drawing/2014/main" id="{D87C6BCE-2407-4798-8CEF-7A268580359A}"/>
+              </a:ext>
+            </a:extLst>
+          </p:cNvPr>
+          <p:cNvPicPr>
+            <a:picLocks noChangeAspect="1"/>
+          </p:cNvPicPr>
+          <p:nvPr/>
+        </p:nvPicPr>
+        <p:blipFill>
+          <a:blip r:embed="rId2"/>
+          <a:stretch>
+            <a:fillRect/>
+          </a:stretch>
+        </p:blipFill>
+        <p:spPr>
+          <a:xfrm>
+            <a:off x="436510" y="1185000"/>
+            <a:ext cx="8270980" cy="3797690"/>
+          </a:xfrm>
+          <a:prstGeom prst="rect">
+            <a:avLst/>
+          </a:prstGeom>
+        </p:spPr>
+      </p:pic>
     </p:spTree>
     <p:extLst>
       <p:ext uri="{BB962C8B-B14F-4D97-AF65-F5344CB8AC3E}">
-        <p14:creationId xmlns:p14="http://schemas.microsoft.com/office/powerpoint/2010/main" val="1349266756"/>
+        <p14:creationId xmlns:p14="http://schemas.microsoft.com/office/powerpoint/2010/main" val="4242281726"/>
       </p:ext>
     </p:extLst>
   </p:cSld>

--- a/Documents/Powerpoints/4.0 Generic Classes and Interfaces.pptx
+++ b/Documents/Powerpoints/4.0 Generic Classes and Interfaces.pptx
@@ -5,7 +5,7 @@
     <p:sldMasterId id="2147483666" r:id="rId1"/>
   </p:sldMasterIdLst>
   <p:notesMasterIdLst>
-    <p:notesMasterId r:id="rId23"/>
+    <p:notesMasterId r:id="rId29"/>
   </p:notesMasterIdLst>
   <p:sldIdLst>
     <p:sldId id="256" r:id="rId2"/>
@@ -16,26 +16,32 @@
     <p:sldId id="260" r:id="rId7"/>
     <p:sldId id="261" r:id="rId8"/>
     <p:sldId id="274" r:id="rId9"/>
-    <p:sldId id="275" r:id="rId10"/>
-    <p:sldId id="276" r:id="rId11"/>
-    <p:sldId id="277" r:id="rId12"/>
-    <p:sldId id="262" r:id="rId13"/>
-    <p:sldId id="263" r:id="rId14"/>
-    <p:sldId id="265" r:id="rId15"/>
-    <p:sldId id="266" r:id="rId16"/>
-    <p:sldId id="278" r:id="rId17"/>
-    <p:sldId id="279" r:id="rId18"/>
-    <p:sldId id="280" r:id="rId19"/>
-    <p:sldId id="267" r:id="rId20"/>
-    <p:sldId id="272" r:id="rId21"/>
-    <p:sldId id="281" r:id="rId22"/>
+    <p:sldId id="282" r:id="rId10"/>
+    <p:sldId id="283" r:id="rId11"/>
+    <p:sldId id="284" r:id="rId12"/>
+    <p:sldId id="275" r:id="rId13"/>
+    <p:sldId id="276" r:id="rId14"/>
+    <p:sldId id="277" r:id="rId15"/>
+    <p:sldId id="262" r:id="rId16"/>
+    <p:sldId id="263" r:id="rId17"/>
+    <p:sldId id="265" r:id="rId18"/>
+    <p:sldId id="266" r:id="rId19"/>
+    <p:sldId id="278" r:id="rId20"/>
+    <p:sldId id="279" r:id="rId21"/>
+    <p:sldId id="280" r:id="rId22"/>
+    <p:sldId id="285" r:id="rId23"/>
+    <p:sldId id="267" r:id="rId24"/>
+    <p:sldId id="286" r:id="rId25"/>
+    <p:sldId id="272" r:id="rId26"/>
+    <p:sldId id="287" r:id="rId27"/>
+    <p:sldId id="281" r:id="rId28"/>
   </p:sldIdLst>
   <p:sldSz cx="9144000" cy="5143500" type="screen16x9"/>
   <p:notesSz cx="6858000" cy="9144000"/>
   <p:embeddedFontLst>
     <p:embeddedFont>
       <p:font typeface="Lustria" panose="020B0604020202020204" charset="0"/>
-      <p:regular r:id="rId24"/>
+      <p:regular r:id="rId30"/>
     </p:embeddedFont>
   </p:embeddedFontLst>
   <p:defaultTextStyle>
@@ -23053,6 +23059,294 @@
       </p:grpSpPr>
       <p:sp>
         <p:nvSpPr>
+          <p:cNvPr id="3" name="Text Placeholder 2"/>
+          <p:cNvSpPr>
+            <a:spLocks noGrp="1"/>
+          </p:cNvSpPr>
+          <p:nvPr>
+            <p:ph type="body" idx="1"/>
+          </p:nvPr>
+        </p:nvSpPr>
+        <p:spPr>
+          <a:xfrm>
+            <a:off x="685346" y="283779"/>
+            <a:ext cx="7765200" cy="4059659"/>
+          </a:xfrm>
+        </p:spPr>
+        <p:txBody>
+          <a:bodyPr/>
+          <a:lstStyle/>
+          <a:p>
+            <a:r>
+              <a:rPr lang="en-US" dirty="0" smtClean="0"/>
+              <a:t>I want my data element to be simply data… No behaviors.</a:t>
+            </a:r>
+          </a:p>
+          <a:p>
+            <a:r>
+              <a:rPr lang="en-US" dirty="0" smtClean="0"/>
+              <a:t>My interface element, however, might have some behaviors that will help display the data.</a:t>
+            </a:r>
+            <a:endParaRPr lang="en-US" dirty="0"/>
+          </a:p>
+        </p:txBody>
+      </p:sp>
+      <p:pic>
+        <p:nvPicPr>
+          <p:cNvPr id="4" name="Picture 3"/>
+          <p:cNvPicPr>
+            <a:picLocks noChangeAspect="1"/>
+          </p:cNvPicPr>
+          <p:nvPr/>
+        </p:nvPicPr>
+        <p:blipFill>
+          <a:blip r:embed="rId2"/>
+          <a:stretch>
+            <a:fillRect/>
+          </a:stretch>
+        </p:blipFill>
+        <p:spPr>
+          <a:xfrm>
+            <a:off x="1091321" y="1606112"/>
+            <a:ext cx="6953250" cy="3276600"/>
+          </a:xfrm>
+          <a:prstGeom prst="rect">
+            <a:avLst/>
+          </a:prstGeom>
+        </p:spPr>
+      </p:pic>
+    </p:spTree>
+    <p:extLst>
+      <p:ext uri="{BB962C8B-B14F-4D97-AF65-F5344CB8AC3E}">
+        <p14:creationId xmlns:p14="http://schemas.microsoft.com/office/powerpoint/2010/main" val="474019912"/>
+      </p:ext>
+    </p:extLst>
+  </p:cSld>
+  <p:clrMapOvr>
+    <a:masterClrMapping/>
+  </p:clrMapOvr>
+</p:sld>
+</file>
+
+<file path=ppt/slides/slide11.xml><?xml version="1.0" encoding="utf-8"?>
+<p:sld xmlns:a="http://schemas.openxmlformats.org/drawingml/2006/main" xmlns:r="http://schemas.openxmlformats.org/officeDocument/2006/relationships" xmlns:p="http://schemas.openxmlformats.org/presentationml/2006/main">
+  <p:cSld>
+    <p:spTree>
+      <p:nvGrpSpPr>
+        <p:cNvPr id="1" name=""/>
+        <p:cNvGrpSpPr/>
+        <p:nvPr/>
+      </p:nvGrpSpPr>
+      <p:grpSpPr>
+        <a:xfrm>
+          <a:off x="0" y="0"/>
+          <a:ext cx="0" cy="0"/>
+          <a:chOff x="0" y="0"/>
+          <a:chExt cx="0" cy="0"/>
+        </a:xfrm>
+      </p:grpSpPr>
+      <p:sp>
+        <p:nvSpPr>
+          <p:cNvPr id="2" name="Title 1"/>
+          <p:cNvSpPr>
+            <a:spLocks noGrp="1"/>
+          </p:cNvSpPr>
+          <p:nvPr>
+            <p:ph type="title"/>
+          </p:nvPr>
+        </p:nvSpPr>
+        <p:spPr/>
+        <p:txBody>
+          <a:bodyPr/>
+          <a:lstStyle/>
+          <a:p>
+            <a:r>
+              <a:rPr lang="en-US" dirty="0" smtClean="0"/>
+              <a:t>Examples of Generics you might know</a:t>
+            </a:r>
+            <a:endParaRPr lang="en-US" dirty="0"/>
+          </a:p>
+        </p:txBody>
+      </p:sp>
+      <p:sp>
+        <p:nvSpPr>
+          <p:cNvPr id="3" name="Text Placeholder 2"/>
+          <p:cNvSpPr>
+            <a:spLocks noGrp="1"/>
+          </p:cNvSpPr>
+          <p:nvPr>
+            <p:ph type="body" idx="1"/>
+          </p:nvPr>
+        </p:nvSpPr>
+        <p:spPr>
+          <a:xfrm>
+            <a:off x="685346" y="1902372"/>
+            <a:ext cx="7765200" cy="2441066"/>
+          </a:xfrm>
+        </p:spPr>
+        <p:txBody>
+          <a:bodyPr/>
+          <a:lstStyle/>
+          <a:p>
+            <a:r>
+              <a:rPr lang="en-US" dirty="0" smtClean="0"/>
+              <a:t>List&lt;T&gt;, Queue&lt;T&gt;, Stack&lt;T&gt;</a:t>
+            </a:r>
+          </a:p>
+          <a:p>
+            <a:r>
+              <a:rPr lang="en-US" dirty="0" smtClean="0"/>
+              <a:t>Dictionary&lt;K, V&gt;</a:t>
+            </a:r>
+          </a:p>
+          <a:p>
+            <a:pPr lvl="1"/>
+            <a:r>
+              <a:rPr lang="en-US" dirty="0" err="1" smtClean="0"/>
+              <a:t>KeyValuePair</a:t>
+            </a:r>
+            <a:r>
+              <a:rPr lang="en-US" dirty="0" smtClean="0"/>
+              <a:t>&lt;K, V&gt;</a:t>
+            </a:r>
+          </a:p>
+          <a:p>
+            <a:r>
+              <a:rPr lang="en-US" dirty="0" err="1" smtClean="0"/>
+              <a:t>LinkedList</a:t>
+            </a:r>
+            <a:r>
+              <a:rPr lang="en-US" dirty="0" smtClean="0"/>
+              <a:t>&lt;T&gt;</a:t>
+            </a:r>
+            <a:endParaRPr lang="en-US" dirty="0"/>
+          </a:p>
+        </p:txBody>
+      </p:sp>
+    </p:spTree>
+    <p:extLst>
+      <p:ext uri="{BB962C8B-B14F-4D97-AF65-F5344CB8AC3E}">
+        <p14:creationId xmlns:p14="http://schemas.microsoft.com/office/powerpoint/2010/main" val="4274773414"/>
+      </p:ext>
+    </p:extLst>
+  </p:cSld>
+  <p:clrMapOvr>
+    <a:masterClrMapping/>
+  </p:clrMapOvr>
+</p:sld>
+</file>
+
+<file path=ppt/slides/slide12.xml><?xml version="1.0" encoding="utf-8"?>
+<p:sld xmlns:a="http://schemas.openxmlformats.org/drawingml/2006/main" xmlns:r="http://schemas.openxmlformats.org/officeDocument/2006/relationships" xmlns:p="http://schemas.openxmlformats.org/presentationml/2006/main">
+  <p:cSld>
+    <p:spTree>
+      <p:nvGrpSpPr>
+        <p:cNvPr id="1" name=""/>
+        <p:cNvGrpSpPr/>
+        <p:nvPr/>
+      </p:nvGrpSpPr>
+      <p:grpSpPr>
+        <a:xfrm>
+          <a:off x="0" y="0"/>
+          <a:ext cx="0" cy="0"/>
+          <a:chOff x="0" y="0"/>
+          <a:chExt cx="0" cy="0"/>
+        </a:xfrm>
+      </p:grpSpPr>
+      <p:sp>
+        <p:nvSpPr>
+          <p:cNvPr id="2" name="Title 1">
+            <a:extLst>
+              <a:ext uri="{FF2B5EF4-FFF2-40B4-BE49-F238E27FC236}">
+                <a16:creationId xmlns:a16="http://schemas.microsoft.com/office/drawing/2014/main" id="{0F65FD33-92C0-4689-8F9C-9226BF655F21}"/>
+              </a:ext>
+            </a:extLst>
+          </p:cNvPr>
+          <p:cNvSpPr>
+            <a:spLocks noGrp="1"/>
+          </p:cNvSpPr>
+          <p:nvPr>
+            <p:ph type="title"/>
+          </p:nvPr>
+        </p:nvSpPr>
+        <p:spPr/>
+        <p:txBody>
+          <a:bodyPr/>
+          <a:lstStyle/>
+          <a:p>
+            <a:r>
+              <a:rPr lang="en-US" dirty="0" err="1"/>
+              <a:t>KeyValuePair</a:t>
+            </a:r>
+            <a:r>
+              <a:rPr lang="en-US" dirty="0"/>
+              <a:t>&lt;Key, Value&gt;</a:t>
+            </a:r>
+          </a:p>
+        </p:txBody>
+      </p:sp>
+      <p:pic>
+        <p:nvPicPr>
+          <p:cNvPr id="4" name="Picture 3">
+            <a:extLst>
+              <a:ext uri="{FF2B5EF4-FFF2-40B4-BE49-F238E27FC236}">
+                <a16:creationId xmlns:a16="http://schemas.microsoft.com/office/drawing/2014/main" id="{D87C6BCE-2407-4798-8CEF-7A268580359A}"/>
+              </a:ext>
+            </a:extLst>
+          </p:cNvPr>
+          <p:cNvPicPr>
+            <a:picLocks noChangeAspect="1"/>
+          </p:cNvPicPr>
+          <p:nvPr/>
+        </p:nvPicPr>
+        <p:blipFill>
+          <a:blip r:embed="rId2"/>
+          <a:stretch>
+            <a:fillRect/>
+          </a:stretch>
+        </p:blipFill>
+        <p:spPr>
+          <a:xfrm>
+            <a:off x="436510" y="1185000"/>
+            <a:ext cx="8270980" cy="3797690"/>
+          </a:xfrm>
+          <a:prstGeom prst="rect">
+            <a:avLst/>
+          </a:prstGeom>
+        </p:spPr>
+      </p:pic>
+    </p:spTree>
+    <p:extLst>
+      <p:ext uri="{BB962C8B-B14F-4D97-AF65-F5344CB8AC3E}">
+        <p14:creationId xmlns:p14="http://schemas.microsoft.com/office/powerpoint/2010/main" val="4242281726"/>
+      </p:ext>
+    </p:extLst>
+  </p:cSld>
+  <p:clrMapOvr>
+    <a:masterClrMapping/>
+  </p:clrMapOvr>
+</p:sld>
+</file>
+
+<file path=ppt/slides/slide13.xml><?xml version="1.0" encoding="utf-8"?>
+<p:sld xmlns:a="http://schemas.openxmlformats.org/drawingml/2006/main" xmlns:r="http://schemas.openxmlformats.org/officeDocument/2006/relationships" xmlns:p="http://schemas.openxmlformats.org/presentationml/2006/main">
+  <p:cSld>
+    <p:spTree>
+      <p:nvGrpSpPr>
+        <p:cNvPr id="1" name=""/>
+        <p:cNvGrpSpPr/>
+        <p:nvPr/>
+      </p:nvGrpSpPr>
+      <p:grpSpPr>
+        <a:xfrm>
+          <a:off x="0" y="0"/>
+          <a:ext cx="0" cy="0"/>
+          <a:chOff x="0" y="0"/>
+          <a:chExt cx="0" cy="0"/>
+        </a:xfrm>
+      </p:grpSpPr>
+      <p:sp>
+        <p:nvSpPr>
           <p:cNvPr id="2" name="Title 1">
             <a:extLst>
               <a:ext uri="{FF2B5EF4-FFF2-40B4-BE49-F238E27FC236}">
@@ -23130,7 +23424,7 @@
 </p:sld>
 </file>
 
-<file path=ppt/slides/slide11.xml><?xml version="1.0" encoding="utf-8"?>
+<file path=ppt/slides/slide14.xml><?xml version="1.0" encoding="utf-8"?>
 <p:sld xmlns:a="http://schemas.openxmlformats.org/drawingml/2006/main" xmlns:r="http://schemas.openxmlformats.org/officeDocument/2006/relationships" xmlns:p="http://schemas.openxmlformats.org/presentationml/2006/main">
   <p:cSld>
     <p:spTree>
@@ -23227,7 +23521,7 @@
 </p:sld>
 </file>
 
-<file path=ppt/slides/slide12.xml><?xml version="1.0" encoding="utf-8"?>
+<file path=ppt/slides/slide15.xml><?xml version="1.0" encoding="utf-8"?>
 <p:sld xmlns:a="http://schemas.openxmlformats.org/drawingml/2006/main" xmlns:r="http://schemas.openxmlformats.org/officeDocument/2006/relationships" xmlns:p="http://schemas.openxmlformats.org/presentationml/2006/main">
   <p:cSld>
     <p:spTree>
@@ -23301,7 +23595,7 @@
 </p:sld>
 </file>
 
-<file path=ppt/slides/slide13.xml><?xml version="1.0" encoding="utf-8"?>
+<file path=ppt/slides/slide16.xml><?xml version="1.0" encoding="utf-8"?>
 <p:sld xmlns:a="http://schemas.openxmlformats.org/drawingml/2006/main" xmlns:r="http://schemas.openxmlformats.org/officeDocument/2006/relationships" xmlns:p="http://schemas.openxmlformats.org/presentationml/2006/main">
   <p:cSld>
     <p:spTree>
@@ -23355,7 +23649,7 @@
 </p:sld>
 </file>
 
-<file path=ppt/slides/slide14.xml><?xml version="1.0" encoding="utf-8"?>
+<file path=ppt/slides/slide17.xml><?xml version="1.0" encoding="utf-8"?>
 <p:sld xmlns:a="http://schemas.openxmlformats.org/drawingml/2006/main" xmlns:r="http://schemas.openxmlformats.org/officeDocument/2006/relationships" xmlns:p="http://schemas.openxmlformats.org/presentationml/2006/main">
   <p:cSld>
     <p:spTree>
@@ -23450,7 +23744,7 @@
 </p:sld>
 </file>
 
-<file path=ppt/slides/slide15.xml><?xml version="1.0" encoding="utf-8"?>
+<file path=ppt/slides/slide18.xml><?xml version="1.0" encoding="utf-8"?>
 <p:sld xmlns:a="http://schemas.openxmlformats.org/drawingml/2006/main" xmlns:r="http://schemas.openxmlformats.org/officeDocument/2006/relationships" xmlns:p="http://schemas.openxmlformats.org/presentationml/2006/main">
   <p:cSld>
     <p:spTree>
@@ -23572,7 +23866,7 @@
 </p:sld>
 </file>
 
-<file path=ppt/slides/slide16.xml><?xml version="1.0" encoding="utf-8"?>
+<file path=ppt/slides/slide19.xml><?xml version="1.0" encoding="utf-8"?>
 <p:sld xmlns:a="http://schemas.openxmlformats.org/drawingml/2006/main" xmlns:r="http://schemas.openxmlformats.org/officeDocument/2006/relationships" xmlns:p="http://schemas.openxmlformats.org/presentationml/2006/main">
   <p:cSld>
     <p:spTree>
@@ -23709,7 +24003,98 @@
 </p:sld>
 </file>
 
-<file path=ppt/slides/slide17.xml><?xml version="1.0" encoding="utf-8"?>
+<file path=ppt/slides/slide2.xml><?xml version="1.0" encoding="utf-8"?>
+<p:sld xmlns:a="http://schemas.openxmlformats.org/drawingml/2006/main" xmlns:r="http://schemas.openxmlformats.org/officeDocument/2006/relationships" xmlns:p="http://schemas.openxmlformats.org/presentationml/2006/main">
+  <p:cSld>
+    <p:spTree>
+      <p:nvGrpSpPr>
+        <p:cNvPr id="1" name="Shape 153"/>
+        <p:cNvGrpSpPr/>
+        <p:nvPr/>
+      </p:nvGrpSpPr>
+      <p:grpSpPr>
+        <a:xfrm>
+          <a:off x="0" y="0"/>
+          <a:ext cx="0" cy="0"/>
+          <a:chOff x="0" y="0"/>
+          <a:chExt cx="0" cy="0"/>
+        </a:xfrm>
+      </p:grpSpPr>
+      <p:sp>
+        <p:nvSpPr>
+          <p:cNvPr id="154" name="Google Shape;154;p21"/>
+          <p:cNvSpPr txBox="1">
+            <a:spLocks noGrp="1"/>
+          </p:cNvSpPr>
+          <p:nvPr>
+            <p:ph type="title"/>
+          </p:nvPr>
+        </p:nvSpPr>
+        <p:spPr>
+          <a:prstGeom prst="rect">
+            <a:avLst/>
+          </a:prstGeom>
+        </p:spPr>
+        <p:txBody>
+          <a:bodyPr spcFirstLastPara="1" wrap="square" lIns="91425" tIns="45700" rIns="91425" bIns="45700" anchor="ctr" anchorCtr="0">
+            <a:noAutofit/>
+          </a:bodyPr>
+          <a:lstStyle/>
+          <a:p>
+            <a:pPr marL="0" lvl="0" indent="0">
+              <a:spcBef>
+                <a:spcPts val="0"/>
+              </a:spcBef>
+              <a:spcAft>
+                <a:spcPts val="0"/>
+              </a:spcAft>
+              <a:buNone/>
+            </a:pPr>
+            <a:r>
+              <a:rPr lang="en" dirty="0"/>
+              <a:t>What is generic?</a:t>
+            </a:r>
+            <a:endParaRPr dirty="0"/>
+          </a:p>
+        </p:txBody>
+      </p:sp>
+      <p:sp>
+        <p:nvSpPr>
+          <p:cNvPr id="2" name="Text Placeholder 1"/>
+          <p:cNvSpPr>
+            <a:spLocks noGrp="1"/>
+          </p:cNvSpPr>
+          <p:nvPr>
+            <p:ph type="body" idx="1"/>
+          </p:nvPr>
+        </p:nvSpPr>
+        <p:spPr/>
+        <p:txBody>
+          <a:bodyPr/>
+          <a:lstStyle/>
+          <a:p>
+            <a:r>
+              <a:rPr lang="en-US" dirty="0"/>
+              <a:t>A class or method that doesn’t care what data type it is comprised of.</a:t>
+            </a:r>
+          </a:p>
+          <a:p>
+            <a:r>
+              <a:rPr lang="en-US" dirty="0"/>
+              <a:t>At compile time, the compiler will create every necessary class type for you.</a:t>
+            </a:r>
+          </a:p>
+        </p:txBody>
+      </p:sp>
+    </p:spTree>
+  </p:cSld>
+  <p:clrMapOvr>
+    <a:masterClrMapping/>
+  </p:clrMapOvr>
+</p:sld>
+</file>
+
+<file path=ppt/slides/slide20.xml><?xml version="1.0" encoding="utf-8"?>
 <p:sld xmlns:a="http://schemas.openxmlformats.org/drawingml/2006/main" xmlns:r="http://schemas.openxmlformats.org/officeDocument/2006/relationships" xmlns:p="http://schemas.openxmlformats.org/presentationml/2006/main">
   <p:cSld>
     <p:spTree>
@@ -23827,7 +24212,7 @@
 </p:sld>
 </file>
 
-<file path=ppt/slides/slide18.xml><?xml version="1.0" encoding="utf-8"?>
+<file path=ppt/slides/slide21.xml><?xml version="1.0" encoding="utf-8"?>
 <p:sld xmlns:a="http://schemas.openxmlformats.org/drawingml/2006/main" xmlns:r="http://schemas.openxmlformats.org/officeDocument/2006/relationships" xmlns:p="http://schemas.openxmlformats.org/presentationml/2006/main">
   <p:cSld>
     <p:spTree>
@@ -23960,7 +24345,112 @@
 </p:sld>
 </file>
 
-<file path=ppt/slides/slide19.xml><?xml version="1.0" encoding="utf-8"?>
+<file path=ppt/slides/slide22.xml><?xml version="1.0" encoding="utf-8"?>
+<p:sld xmlns:a="http://schemas.openxmlformats.org/drawingml/2006/main" xmlns:r="http://schemas.openxmlformats.org/officeDocument/2006/relationships" xmlns:p="http://schemas.openxmlformats.org/presentationml/2006/main">
+  <p:cSld>
+    <p:spTree>
+      <p:nvGrpSpPr>
+        <p:cNvPr id="1" name=""/>
+        <p:cNvGrpSpPr/>
+        <p:nvPr/>
+      </p:nvGrpSpPr>
+      <p:grpSpPr>
+        <a:xfrm>
+          <a:off x="0" y="0"/>
+          <a:ext cx="0" cy="0"/>
+          <a:chOff x="0" y="0"/>
+          <a:chExt cx="0" cy="0"/>
+        </a:xfrm>
+      </p:grpSpPr>
+      <p:sp>
+        <p:nvSpPr>
+          <p:cNvPr id="2" name="Title 1"/>
+          <p:cNvSpPr>
+            <a:spLocks noGrp="1"/>
+          </p:cNvSpPr>
+          <p:nvPr>
+            <p:ph type="title"/>
+          </p:nvPr>
+        </p:nvSpPr>
+        <p:spPr/>
+        <p:txBody>
+          <a:bodyPr/>
+          <a:lstStyle/>
+          <a:p>
+            <a:r>
+              <a:rPr lang="en-US" dirty="0" smtClean="0"/>
+              <a:t>Before vs After, </a:t>
+            </a:r>
+            <a:r>
+              <a:rPr lang="en-US" dirty="0" err="1" smtClean="0"/>
+              <a:t>IComparable</a:t>
+            </a:r>
+            <a:endParaRPr lang="en-US" dirty="0"/>
+          </a:p>
+        </p:txBody>
+      </p:sp>
+      <p:pic>
+        <p:nvPicPr>
+          <p:cNvPr id="4" name="Picture 3"/>
+          <p:cNvPicPr>
+            <a:picLocks noChangeAspect="1"/>
+          </p:cNvPicPr>
+          <p:nvPr/>
+        </p:nvPicPr>
+        <p:blipFill>
+          <a:blip r:embed="rId2"/>
+          <a:stretch>
+            <a:fillRect/>
+          </a:stretch>
+        </p:blipFill>
+        <p:spPr>
+          <a:xfrm>
+            <a:off x="0" y="1185000"/>
+            <a:ext cx="5591175" cy="2181225"/>
+          </a:xfrm>
+          <a:prstGeom prst="rect">
+            <a:avLst/>
+          </a:prstGeom>
+        </p:spPr>
+      </p:pic>
+      <p:pic>
+        <p:nvPicPr>
+          <p:cNvPr id="5" name="Picture 4"/>
+          <p:cNvPicPr>
+            <a:picLocks noChangeAspect="1"/>
+          </p:cNvPicPr>
+          <p:nvPr/>
+        </p:nvPicPr>
+        <p:blipFill>
+          <a:blip r:embed="rId3"/>
+          <a:stretch>
+            <a:fillRect/>
+          </a:stretch>
+        </p:blipFill>
+        <p:spPr>
+          <a:xfrm>
+            <a:off x="4065368" y="3141525"/>
+            <a:ext cx="4733925" cy="1905000"/>
+          </a:xfrm>
+          <a:prstGeom prst="rect">
+            <a:avLst/>
+          </a:prstGeom>
+        </p:spPr>
+      </p:pic>
+    </p:spTree>
+    <p:extLst>
+      <p:ext uri="{BB962C8B-B14F-4D97-AF65-F5344CB8AC3E}">
+        <p14:creationId xmlns:p14="http://schemas.microsoft.com/office/powerpoint/2010/main" val="440351229"/>
+      </p:ext>
+    </p:extLst>
+  </p:cSld>
+  <p:clrMapOvr>
+    <a:masterClrMapping/>
+  </p:clrMapOvr>
+</p:sld>
+</file>
+
+<file path=ppt/slides/slide23.xml><?xml version="1.0" encoding="utf-8"?>
 <p:sld xmlns:a="http://schemas.openxmlformats.org/drawingml/2006/main" xmlns:r="http://schemas.openxmlformats.org/officeDocument/2006/relationships" xmlns:p="http://schemas.openxmlformats.org/presentationml/2006/main">
   <p:cSld>
     <p:spTree>
@@ -24082,12 +24572,12 @@
 </p:sld>
 </file>
 
-<file path=ppt/slides/slide2.xml><?xml version="1.0" encoding="utf-8"?>
+<file path=ppt/slides/slide24.xml><?xml version="1.0" encoding="utf-8"?>
 <p:sld xmlns:a="http://schemas.openxmlformats.org/drawingml/2006/main" xmlns:r="http://schemas.openxmlformats.org/officeDocument/2006/relationships" xmlns:p="http://schemas.openxmlformats.org/presentationml/2006/main">
   <p:cSld>
     <p:spTree>
       <p:nvGrpSpPr>
-        <p:cNvPr id="1" name="Shape 153"/>
+        <p:cNvPr id="1" name=""/>
         <p:cNvGrpSpPr/>
         <p:nvPr/>
       </p:nvGrpSpPr>
@@ -24101,45 +24591,30 @@
       </p:grpSpPr>
       <p:sp>
         <p:nvSpPr>
-          <p:cNvPr id="154" name="Google Shape;154;p21"/>
-          <p:cNvSpPr txBox="1">
+          <p:cNvPr id="2" name="Title 1"/>
+          <p:cNvSpPr>
             <a:spLocks noGrp="1"/>
           </p:cNvSpPr>
           <p:nvPr>
             <p:ph type="title"/>
           </p:nvPr>
         </p:nvSpPr>
-        <p:spPr>
-          <a:prstGeom prst="rect">
-            <a:avLst/>
-          </a:prstGeom>
-        </p:spPr>
+        <p:spPr/>
         <p:txBody>
-          <a:bodyPr spcFirstLastPara="1" wrap="square" lIns="91425" tIns="45700" rIns="91425" bIns="45700" anchor="ctr" anchorCtr="0">
-            <a:noAutofit/>
-          </a:bodyPr>
+          <a:bodyPr/>
           <a:lstStyle/>
           <a:p>
-            <a:pPr marL="0" lvl="0" indent="0">
-              <a:spcBef>
-                <a:spcPts val="0"/>
-              </a:spcBef>
-              <a:spcAft>
-                <a:spcPts val="0"/>
-              </a:spcAft>
-              <a:buNone/>
-            </a:pPr>
             <a:r>
-              <a:rPr lang="en" dirty="0"/>
-              <a:t>What is generic?</a:t>
+              <a:rPr lang="en-US" dirty="0" smtClean="0"/>
+              <a:t>Custom Interfaces</a:t>
             </a:r>
-            <a:endParaRPr dirty="0"/>
+            <a:endParaRPr lang="en-US" dirty="0"/>
           </a:p>
         </p:txBody>
       </p:sp>
       <p:sp>
         <p:nvSpPr>
-          <p:cNvPr id="2" name="Text Placeholder 1"/>
+          <p:cNvPr id="3" name="Text Placeholder 2"/>
           <p:cNvSpPr>
             <a:spLocks noGrp="1"/>
           </p:cNvSpPr>
@@ -24152,20 +24627,40 @@
           <a:bodyPr/>
           <a:lstStyle/>
           <a:p>
-            <a:r>
-              <a:rPr lang="en-US" dirty="0"/>
-              <a:t>A class or method that doesn’t care what data type it is comprised of.</a:t>
-            </a:r>
-          </a:p>
-          <a:p>
-            <a:r>
-              <a:rPr lang="en-US" dirty="0"/>
-              <a:t>At compile time, the compiler will create every necessary class type for you.</a:t>
-            </a:r>
+            <a:endParaRPr lang="en-US" dirty="0"/>
           </a:p>
         </p:txBody>
       </p:sp>
+      <p:pic>
+        <p:nvPicPr>
+          <p:cNvPr id="4" name="Picture 3"/>
+          <p:cNvPicPr>
+            <a:picLocks noChangeAspect="1"/>
+          </p:cNvPicPr>
+          <p:nvPr/>
+        </p:nvPicPr>
+        <p:blipFill>
+          <a:blip r:embed="rId2"/>
+          <a:stretch>
+            <a:fillRect/>
+          </a:stretch>
+        </p:blipFill>
+        <p:spPr>
+          <a:xfrm>
+            <a:off x="565223" y="1185000"/>
+            <a:ext cx="8005445" cy="3838945"/>
+          </a:xfrm>
+          <a:prstGeom prst="rect">
+            <a:avLst/>
+          </a:prstGeom>
+        </p:spPr>
+      </p:pic>
     </p:spTree>
+    <p:extLst>
+      <p:ext uri="{BB962C8B-B14F-4D97-AF65-F5344CB8AC3E}">
+        <p14:creationId xmlns:p14="http://schemas.microsoft.com/office/powerpoint/2010/main" val="2234246371"/>
+      </p:ext>
+    </p:extLst>
   </p:cSld>
   <p:clrMapOvr>
     <a:masterClrMapping/>
@@ -24173,7 +24668,7 @@
 </p:sld>
 </file>
 
-<file path=ppt/slides/slide20.xml><?xml version="1.0" encoding="utf-8"?>
+<file path=ppt/slides/slide25.xml><?xml version="1.0" encoding="utf-8"?>
 <p:sld xmlns:a="http://schemas.openxmlformats.org/drawingml/2006/main" xmlns:r="http://schemas.openxmlformats.org/officeDocument/2006/relationships" xmlns:p="http://schemas.openxmlformats.org/presentationml/2006/main">
   <p:cSld>
     <p:spTree>
@@ -24289,7 +24784,83 @@
 </p:sld>
 </file>
 
-<file path=ppt/slides/slide21.xml><?xml version="1.0" encoding="utf-8"?>
+<file path=ppt/slides/slide26.xml><?xml version="1.0" encoding="utf-8"?>
+<p:sld xmlns:a="http://schemas.openxmlformats.org/drawingml/2006/main" xmlns:r="http://schemas.openxmlformats.org/officeDocument/2006/relationships" xmlns:p="http://schemas.openxmlformats.org/presentationml/2006/main">
+  <p:cSld>
+    <p:spTree>
+      <p:nvGrpSpPr>
+        <p:cNvPr id="1" name=""/>
+        <p:cNvGrpSpPr/>
+        <p:nvPr/>
+      </p:nvGrpSpPr>
+      <p:grpSpPr>
+        <a:xfrm>
+          <a:off x="0" y="0"/>
+          <a:ext cx="0" cy="0"/>
+          <a:chOff x="0" y="0"/>
+          <a:chExt cx="0" cy="0"/>
+        </a:xfrm>
+      </p:grpSpPr>
+      <p:sp>
+        <p:nvSpPr>
+          <p:cNvPr id="2" name="Title 1"/>
+          <p:cNvSpPr>
+            <a:spLocks noGrp="1"/>
+          </p:cNvSpPr>
+          <p:nvPr>
+            <p:ph type="title"/>
+          </p:nvPr>
+        </p:nvSpPr>
+        <p:spPr/>
+        <p:txBody>
+          <a:bodyPr/>
+          <a:lstStyle/>
+          <a:p>
+            <a:r>
+              <a:rPr lang="en-US" dirty="0" smtClean="0"/>
+              <a:t>Media Demo</a:t>
+            </a:r>
+            <a:endParaRPr lang="en-US" dirty="0"/>
+          </a:p>
+        </p:txBody>
+      </p:sp>
+      <p:sp>
+        <p:nvSpPr>
+          <p:cNvPr id="3" name="Text Placeholder 2"/>
+          <p:cNvSpPr>
+            <a:spLocks noGrp="1"/>
+          </p:cNvSpPr>
+          <p:nvPr>
+            <p:ph type="body" idx="1"/>
+          </p:nvPr>
+        </p:nvSpPr>
+        <p:spPr/>
+        <p:txBody>
+          <a:bodyPr/>
+          <a:lstStyle/>
+          <a:p>
+            <a:r>
+              <a:rPr lang="en-US" dirty="0" smtClean="0"/>
+              <a:t>Framework for a media managing program.</a:t>
+            </a:r>
+            <a:endParaRPr lang="en-US" dirty="0"/>
+          </a:p>
+        </p:txBody>
+      </p:sp>
+    </p:spTree>
+    <p:extLst>
+      <p:ext uri="{BB962C8B-B14F-4D97-AF65-F5344CB8AC3E}">
+        <p14:creationId xmlns:p14="http://schemas.microsoft.com/office/powerpoint/2010/main" val="2310510926"/>
+      </p:ext>
+    </p:extLst>
+  </p:cSld>
+  <p:clrMapOvr>
+    <a:masterClrMapping/>
+  </p:clrMapOvr>
+</p:sld>
+</file>
+
+<file path=ppt/slides/slide27.xml><?xml version="1.0" encoding="utf-8"?>
 <p:sld xmlns:a="http://schemas.openxmlformats.org/drawingml/2006/main" xmlns:r="http://schemas.openxmlformats.org/officeDocument/2006/relationships" xmlns:p="http://schemas.openxmlformats.org/presentationml/2006/main">
   <p:cSld>
     <p:spTree>
@@ -24980,13 +25551,7 @@
       </p:grpSpPr>
       <p:sp>
         <p:nvSpPr>
-          <p:cNvPr id="2" name="Title 1">
-            <a:extLst>
-              <a:ext uri="{FF2B5EF4-FFF2-40B4-BE49-F238E27FC236}">
-                <a16:creationId xmlns:a16="http://schemas.microsoft.com/office/drawing/2014/main" id="{0F65FD33-92C0-4689-8F9C-9226BF655F21}"/>
-              </a:ext>
-            </a:extLst>
-          </p:cNvPr>
+          <p:cNvPr id="2" name="Title 1"/>
           <p:cNvSpPr>
             <a:spLocks noGrp="1"/>
           </p:cNvSpPr>
@@ -24994,31 +25559,68 @@
             <p:ph type="title"/>
           </p:nvPr>
         </p:nvSpPr>
-        <p:spPr/>
+        <p:spPr>
+          <a:xfrm>
+            <a:off x="0" y="457200"/>
+            <a:ext cx="3678621" cy="727800"/>
+          </a:xfrm>
+        </p:spPr>
         <p:txBody>
           <a:bodyPr/>
           <a:lstStyle/>
           <a:p>
             <a:r>
-              <a:rPr lang="en-US" dirty="0" err="1"/>
-              <a:t>KeyValuePair</a:t>
+              <a:rPr lang="en-US" dirty="0" smtClean="0"/>
+              <a:t>Requiring details on T</a:t>
             </a:r>
+            <a:endParaRPr lang="en-US" dirty="0"/>
+          </a:p>
+        </p:txBody>
+      </p:sp>
+      <p:sp>
+        <p:nvSpPr>
+          <p:cNvPr id="3" name="Text Placeholder 2"/>
+          <p:cNvSpPr>
+            <a:spLocks noGrp="1"/>
+          </p:cNvSpPr>
+          <p:nvPr>
+            <p:ph type="body" idx="1"/>
+          </p:nvPr>
+        </p:nvSpPr>
+        <p:spPr>
+          <a:xfrm>
+            <a:off x="0" y="1583118"/>
+            <a:ext cx="3417016" cy="3044100"/>
+          </a:xfrm>
+        </p:spPr>
+        <p:txBody>
+          <a:bodyPr/>
+          <a:lstStyle/>
+          <a:p>
+            <a:pPr marL="139700" indent="0">
+              <a:buNone/>
+            </a:pPr>
             <a:r>
-              <a:rPr lang="en-US" dirty="0"/>
-              <a:t>&lt;Key, Value&gt;</a:t>
+              <a:rPr lang="en-US" dirty="0" smtClean="0"/>
+              <a:t>Sometimes we want to require that our generic variables have some specific detail. </a:t>
             </a:r>
+            <a:endParaRPr lang="en-US" dirty="0"/>
+          </a:p>
+          <a:p>
+            <a:pPr marL="139700" indent="0">
+              <a:buNone/>
+            </a:pPr>
+            <a:r>
+              <a:rPr lang="en-US" dirty="0" smtClean="0"/>
+              <a:t>This limits the otherwise limitless benefits of a generic class, but is more often than not a good thing!</a:t>
+            </a:r>
+            <a:endParaRPr lang="en-US" dirty="0"/>
           </a:p>
         </p:txBody>
       </p:sp>
       <p:pic>
         <p:nvPicPr>
-          <p:cNvPr id="4" name="Picture 3">
-            <a:extLst>
-              <a:ext uri="{FF2B5EF4-FFF2-40B4-BE49-F238E27FC236}">
-                <a16:creationId xmlns:a16="http://schemas.microsoft.com/office/drawing/2014/main" id="{D87C6BCE-2407-4798-8CEF-7A268580359A}"/>
-              </a:ext>
-            </a:extLst>
-          </p:cNvPr>
+          <p:cNvPr id="5" name="Picture 4"/>
           <p:cNvPicPr>
             <a:picLocks noChangeAspect="1"/>
           </p:cNvPicPr>
@@ -25032,8 +25634,8 @@
         </p:blipFill>
         <p:spPr>
           <a:xfrm>
-            <a:off x="436510" y="1185000"/>
-            <a:ext cx="8270980" cy="3797690"/>
+            <a:off x="3417016" y="325820"/>
+            <a:ext cx="5726984" cy="4550979"/>
           </a:xfrm>
           <a:prstGeom prst="rect">
             <a:avLst/>
@@ -25043,7 +25645,7 @@
     </p:spTree>
     <p:extLst>
       <p:ext uri="{BB962C8B-B14F-4D97-AF65-F5344CB8AC3E}">
-        <p14:creationId xmlns:p14="http://schemas.microsoft.com/office/powerpoint/2010/main" val="4242281726"/>
+        <p14:creationId xmlns:p14="http://schemas.microsoft.com/office/powerpoint/2010/main" val="3281053278"/>
       </p:ext>
     </p:extLst>
   </p:cSld>
